--- a/(基恩)喜訊.pptx
+++ b/(基恩)喜訊.pptx
@@ -2,13 +2,13 @@
 <file path=ppt/presentation.xml><?xml version="1.0" encoding="utf-8"?>
 <p:presentation xmlns:a="http://schemas.openxmlformats.org/drawingml/2006/main" xmlns:r="http://schemas.openxmlformats.org/officeDocument/2006/relationships" xmlns:p="http://schemas.openxmlformats.org/presentationml/2006/main" saveSubsetFonts="1">
   <p:sldMasterIdLst>
-    <p:sldMasterId id="2147483660" r:id="rId1"/>
+    <p:sldMasterId id="2147483672" r:id="rId1"/>
   </p:sldMasterIdLst>
   <p:sldIdLst>
     <p:sldId id="256" r:id="rId2"/>
     <p:sldId id="257" r:id="rId3"/>
   </p:sldIdLst>
-  <p:sldSz cx="9144000" cy="6858000" type="screen4x3"/>
+  <p:sldSz cx="12192000" cy="6858000"/>
   <p:notesSz cx="6858000" cy="9144000"/>
   <p:defaultTextStyle>
     <a:defPPr>
@@ -105,6 +105,22 @@
       </a:defRPr>
     </a:lvl9pPr>
   </p:defaultTextStyle>
+  <p:extLst>
+    <p:ext uri="{EFAFB233-063F-42B5-8137-9DF3F51BA10A}">
+      <p15:sldGuideLst xmlns:p15="http://schemas.microsoft.com/office/powerpoint/2012/main">
+        <p15:guide id="1" orient="horz" pos="2160" userDrawn="1">
+          <p15:clr>
+            <a:srgbClr val="A4A3A4"/>
+          </p15:clr>
+        </p15:guide>
+        <p15:guide id="2" pos="3840" userDrawn="1">
+          <p15:clr>
+            <a:srgbClr val="A4A3A4"/>
+          </p15:clr>
+        </p15:guide>
+      </p15:sldGuideLst>
+    </p:ext>
+  </p:extLst>
 </p:presentation>
 </file>
 
@@ -137,48 +153,19 @@
         </p:nvSpPr>
         <p:spPr>
           <a:xfrm>
-            <a:off x="685800" y="1981200"/>
-            <a:ext cx="7772400" cy="1876428"/>
+            <a:off x="914400" y="2130426"/>
+            <a:ext cx="10363200" cy="1470025"/>
           </a:xfrm>
         </p:spPr>
         <p:txBody>
-          <a:bodyPr anchor="b">
-            <a:sp3d contourW="8890">
-              <a:contourClr>
-                <a:schemeClr val="accent3">
-                  <a:shade val="55000"/>
-                </a:schemeClr>
-              </a:contourClr>
-            </a:sp3d>
-          </a:bodyPr>
-          <a:lstStyle>
-            <a:lvl1pPr algn="ctr">
-              <a:defRPr sz="4400" dirty="0">
-                <a:ln w="15875" cmpd="sng">
-                  <a:solidFill>
-                    <a:srgbClr val="FFFFFF"/>
-                  </a:solidFill>
-                  <a:prstDash val="solid"/>
-                </a:ln>
-                <a:solidFill>
-                  <a:srgbClr val="FFFFFF"/>
-                </a:solidFill>
-                <a:effectLst>
-                  <a:outerShdw blurRad="31750" dir="3600000" algn="tl" rotWithShape="0">
-                    <a:srgbClr val="000000">
-                      <a:alpha val="60000"/>
-                    </a:srgbClr>
-                  </a:outerShdw>
-                </a:effectLst>
-              </a:defRPr>
-            </a:lvl1pPr>
-          </a:lstStyle>
-          <a:p>
-            <a:r>
-              <a:rPr kumimoji="0" lang="zh-TW" altLang="en-US" smtClean="0"/>
-              <a:t>按一下以編輯母片標題樣式</a:t>
-            </a:r>
-            <a:endParaRPr kumimoji="0" lang="en-US"/>
+          <a:bodyPr/>
+          <a:lstStyle/>
+          <a:p>
+            <a:r>
+              <a:rPr lang="en-US" altLang="zh-TW" smtClean="0"/>
+              <a:t>Click to edit Master title style</a:t>
+            </a:r>
+            <a:endParaRPr lang="zh-TW" altLang="en-US"/>
           </a:p>
         </p:txBody>
       </p:sp>
@@ -194,8 +181,8 @@
         </p:nvSpPr>
         <p:spPr>
           <a:xfrm>
-            <a:off x="1371600" y="3857628"/>
-            <a:ext cx="6400800" cy="1753200"/>
+            <a:off x="1828800" y="3886200"/>
+            <a:ext cx="8534400" cy="1752600"/>
           </a:xfrm>
         </p:spPr>
         <p:txBody>
@@ -203,9 +190,11 @@
           <a:lstStyle>
             <a:lvl1pPr marL="0" indent="0" algn="ctr">
               <a:buNone/>
-              <a:defRPr sz="2400">
+              <a:defRPr>
                 <a:solidFill>
-                  <a:schemeClr val="tx2"/>
+                  <a:schemeClr val="tx1">
+                    <a:tint val="75000"/>
+                  </a:schemeClr>
                 </a:solidFill>
               </a:defRPr>
             </a:lvl1pPr>
@@ -292,10 +281,10 @@
           </a:lstStyle>
           <a:p>
             <a:r>
-              <a:rPr kumimoji="0" lang="zh-TW" altLang="en-US" smtClean="0"/>
-              <a:t>按一下以編輯母片副標題樣式</a:t>
-            </a:r>
-            <a:endParaRPr kumimoji="0" lang="en-US"/>
+              <a:rPr lang="en-US" altLang="zh-TW" smtClean="0"/>
+              <a:t>Click to edit Master subtitle style</a:t>
+            </a:r>
+            <a:endParaRPr lang="zh-TW" altLang="en-US"/>
           </a:p>
         </p:txBody>
       </p:sp>
@@ -317,7 +306,7 @@
             <a:fld id="{BA491F77-4D08-441C-A1CC-72B87BC1692F}" type="datetimeFigureOut">
               <a:rPr lang="zh-TW" altLang="en-US" smtClean="0"/>
               <a:pPr/>
-              <a:t>2017/7/8</a:t>
+              <a:t>2019/12/13</a:t>
             </a:fld>
             <a:endParaRPr lang="zh-TW" altLang="en-US"/>
           </a:p>
@@ -367,6 +356,11 @@
         </p:txBody>
       </p:sp>
     </p:spTree>
+    <p:extLst>
+      <p:ext uri="{BB962C8B-B14F-4D97-AF65-F5344CB8AC3E}">
+        <p14:creationId xmlns:p14="http://schemas.microsoft.com/office/powerpoint/2010/main" val="178036779"/>
+      </p:ext>
+    </p:extLst>
   </p:cSld>
   <p:clrMapOvr>
     <a:masterClrMapping/>
@@ -407,10 +401,10 @@
           <a:lstStyle/>
           <a:p>
             <a:r>
-              <a:rPr kumimoji="0" lang="zh-TW" altLang="en-US" smtClean="0"/>
-              <a:t>按一下以編輯母片標題樣式</a:t>
-            </a:r>
-            <a:endParaRPr kumimoji="0" lang="en-US"/>
+              <a:rPr lang="en-US" altLang="zh-TW" smtClean="0"/>
+              <a:t>Click to edit Master title style</a:t>
+            </a:r>
+            <a:endParaRPr lang="zh-TW" altLang="en-US"/>
           </a:p>
         </p:txBody>
       </p:sp>
@@ -429,40 +423,40 @@
           <a:bodyPr vert="eaVert"/>
           <a:lstStyle/>
           <a:p>
-            <a:pPr lvl="0" eaLnBrk="1" latinLnBrk="0" hangingPunct="1"/>
-            <a:r>
-              <a:rPr lang="zh-TW" altLang="en-US" smtClean="0"/>
-              <a:t>按一下以編輯母片文字樣式</a:t>
-            </a:r>
-          </a:p>
-          <a:p>
-            <a:pPr lvl="1" eaLnBrk="1" latinLnBrk="0" hangingPunct="1"/>
-            <a:r>
-              <a:rPr lang="zh-TW" altLang="en-US" smtClean="0"/>
-              <a:t>第二層</a:t>
-            </a:r>
-          </a:p>
-          <a:p>
-            <a:pPr lvl="2" eaLnBrk="1" latinLnBrk="0" hangingPunct="1"/>
-            <a:r>
-              <a:rPr lang="zh-TW" altLang="en-US" smtClean="0"/>
-              <a:t>第三層</a:t>
-            </a:r>
-          </a:p>
-          <a:p>
-            <a:pPr lvl="3" eaLnBrk="1" latinLnBrk="0" hangingPunct="1"/>
-            <a:r>
-              <a:rPr lang="zh-TW" altLang="en-US" smtClean="0"/>
-              <a:t>第四層</a:t>
-            </a:r>
-          </a:p>
-          <a:p>
-            <a:pPr lvl="4" eaLnBrk="1" latinLnBrk="0" hangingPunct="1"/>
-            <a:r>
-              <a:rPr lang="zh-TW" altLang="en-US" smtClean="0"/>
-              <a:t>第五層</a:t>
-            </a:r>
-            <a:endParaRPr kumimoji="0" lang="en-US"/>
+            <a:pPr lvl="0"/>
+            <a:r>
+              <a:rPr lang="en-US" altLang="zh-TW" smtClean="0"/>
+              <a:t>Edit Master text styles</a:t>
+            </a:r>
+          </a:p>
+          <a:p>
+            <a:pPr lvl="1"/>
+            <a:r>
+              <a:rPr lang="en-US" altLang="zh-TW" smtClean="0"/>
+              <a:t>Second level</a:t>
+            </a:r>
+          </a:p>
+          <a:p>
+            <a:pPr lvl="2"/>
+            <a:r>
+              <a:rPr lang="en-US" altLang="zh-TW" smtClean="0"/>
+              <a:t>Third level</a:t>
+            </a:r>
+          </a:p>
+          <a:p>
+            <a:pPr lvl="3"/>
+            <a:r>
+              <a:rPr lang="en-US" altLang="zh-TW" smtClean="0"/>
+              <a:t>Fourth level</a:t>
+            </a:r>
+          </a:p>
+          <a:p>
+            <a:pPr lvl="4"/>
+            <a:r>
+              <a:rPr lang="en-US" altLang="zh-TW" smtClean="0"/>
+              <a:t>Fifth level</a:t>
+            </a:r>
+            <a:endParaRPr lang="zh-TW" altLang="en-US"/>
           </a:p>
         </p:txBody>
       </p:sp>
@@ -484,7 +478,7 @@
             <a:fld id="{BA491F77-4D08-441C-A1CC-72B87BC1692F}" type="datetimeFigureOut">
               <a:rPr lang="zh-TW" altLang="en-US" smtClean="0"/>
               <a:pPr/>
-              <a:t>2017/7/8</a:t>
+              <a:t>2019/12/13</a:t>
             </a:fld>
             <a:endParaRPr lang="zh-TW" altLang="en-US"/>
           </a:p>
@@ -534,6 +528,11 @@
         </p:txBody>
       </p:sp>
     </p:spTree>
+    <p:extLst>
+      <p:ext uri="{BB962C8B-B14F-4D97-AF65-F5344CB8AC3E}">
+        <p14:creationId xmlns:p14="http://schemas.microsoft.com/office/powerpoint/2010/main" val="3653256545"/>
+      </p:ext>
+    </p:extLst>
   </p:cSld>
   <p:clrMapOvr>
     <a:masterClrMapping/>
@@ -570,40 +569,19 @@
         </p:nvSpPr>
         <p:spPr>
           <a:xfrm>
-            <a:off x="7286644" y="274640"/>
-            <a:ext cx="1400156" cy="5851525"/>
+            <a:off x="8839200" y="274639"/>
+            <a:ext cx="2743200" cy="5851525"/>
           </a:xfrm>
         </p:spPr>
         <p:txBody>
           <a:bodyPr vert="eaVert"/>
-          <a:lstStyle>
-            <a:lvl1pPr>
-              <a:defRPr lang="zh-CN" altLang="en-US" dirty="0">
-                <a:ln w="15875" cmpd="sng">
-                  <a:solidFill>
-                    <a:srgbClr val="FFFFFF"/>
-                  </a:solidFill>
-                  <a:prstDash val="solid"/>
-                </a:ln>
-                <a:solidFill>
-                  <a:srgbClr val="FFFFFF"/>
-                </a:solidFill>
-                <a:effectLst>
-                  <a:outerShdw blurRad="31750" dir="3600000" algn="tl" rotWithShape="0">
-                    <a:srgbClr val="000000">
-                      <a:alpha val="60000"/>
-                    </a:srgbClr>
-                  </a:outerShdw>
-                </a:effectLst>
-              </a:defRPr>
-            </a:lvl1pPr>
-          </a:lstStyle>
-          <a:p>
-            <a:r>
-              <a:rPr kumimoji="0" lang="zh-TW" altLang="en-US" smtClean="0"/>
-              <a:t>按一下以編輯母片標題樣式</a:t>
-            </a:r>
-            <a:endParaRPr kumimoji="0" lang="en-US"/>
+          <a:lstStyle/>
+          <a:p>
+            <a:r>
+              <a:rPr lang="en-US" altLang="zh-TW" smtClean="0"/>
+              <a:t>Click to edit Master title style</a:t>
+            </a:r>
+            <a:endParaRPr lang="zh-TW" altLang="en-US"/>
           </a:p>
         </p:txBody>
       </p:sp>
@@ -619,48 +597,48 @@
         </p:nvSpPr>
         <p:spPr>
           <a:xfrm>
-            <a:off x="457200" y="274640"/>
-            <a:ext cx="6829444" cy="5851525"/>
+            <a:off x="609600" y="274639"/>
+            <a:ext cx="8026400" cy="5851525"/>
           </a:xfrm>
         </p:spPr>
         <p:txBody>
           <a:bodyPr vert="eaVert"/>
           <a:lstStyle/>
           <a:p>
-            <a:pPr lvl="0" eaLnBrk="1" latinLnBrk="0" hangingPunct="1"/>
-            <a:r>
-              <a:rPr lang="zh-TW" altLang="en-US" smtClean="0"/>
-              <a:t>按一下以編輯母片文字樣式</a:t>
-            </a:r>
-          </a:p>
-          <a:p>
-            <a:pPr lvl="1" eaLnBrk="1" latinLnBrk="0" hangingPunct="1"/>
-            <a:r>
-              <a:rPr lang="zh-TW" altLang="en-US" smtClean="0"/>
-              <a:t>第二層</a:t>
-            </a:r>
-          </a:p>
-          <a:p>
-            <a:pPr lvl="2" eaLnBrk="1" latinLnBrk="0" hangingPunct="1"/>
-            <a:r>
-              <a:rPr lang="zh-TW" altLang="en-US" smtClean="0"/>
-              <a:t>第三層</a:t>
-            </a:r>
-          </a:p>
-          <a:p>
-            <a:pPr lvl="3" eaLnBrk="1" latinLnBrk="0" hangingPunct="1"/>
-            <a:r>
-              <a:rPr lang="zh-TW" altLang="en-US" smtClean="0"/>
-              <a:t>第四層</a:t>
-            </a:r>
-          </a:p>
-          <a:p>
-            <a:pPr lvl="4" eaLnBrk="1" latinLnBrk="0" hangingPunct="1"/>
-            <a:r>
-              <a:rPr lang="zh-TW" altLang="en-US" smtClean="0"/>
-              <a:t>第五層</a:t>
-            </a:r>
-            <a:endParaRPr kumimoji="0" lang="en-US"/>
+            <a:pPr lvl="0"/>
+            <a:r>
+              <a:rPr lang="en-US" altLang="zh-TW" smtClean="0"/>
+              <a:t>Edit Master text styles</a:t>
+            </a:r>
+          </a:p>
+          <a:p>
+            <a:pPr lvl="1"/>
+            <a:r>
+              <a:rPr lang="en-US" altLang="zh-TW" smtClean="0"/>
+              <a:t>Second level</a:t>
+            </a:r>
+          </a:p>
+          <a:p>
+            <a:pPr lvl="2"/>
+            <a:r>
+              <a:rPr lang="en-US" altLang="zh-TW" smtClean="0"/>
+              <a:t>Third level</a:t>
+            </a:r>
+          </a:p>
+          <a:p>
+            <a:pPr lvl="3"/>
+            <a:r>
+              <a:rPr lang="en-US" altLang="zh-TW" smtClean="0"/>
+              <a:t>Fourth level</a:t>
+            </a:r>
+          </a:p>
+          <a:p>
+            <a:pPr lvl="4"/>
+            <a:r>
+              <a:rPr lang="en-US" altLang="zh-TW" smtClean="0"/>
+              <a:t>Fifth level</a:t>
+            </a:r>
+            <a:endParaRPr lang="zh-TW" altLang="en-US"/>
           </a:p>
         </p:txBody>
       </p:sp>
@@ -682,7 +660,7 @@
             <a:fld id="{BA491F77-4D08-441C-A1CC-72B87BC1692F}" type="datetimeFigureOut">
               <a:rPr lang="zh-TW" altLang="en-US" smtClean="0"/>
               <a:pPr/>
-              <a:t>2017/7/8</a:t>
+              <a:t>2019/12/13</a:t>
             </a:fld>
             <a:endParaRPr lang="zh-TW" altLang="en-US"/>
           </a:p>
@@ -732,6 +710,11 @@
         </p:txBody>
       </p:sp>
     </p:spTree>
+    <p:extLst>
+      <p:ext uri="{BB962C8B-B14F-4D97-AF65-F5344CB8AC3E}">
+        <p14:creationId xmlns:p14="http://schemas.microsoft.com/office/powerpoint/2010/main" val="1026559052"/>
+      </p:ext>
+    </p:extLst>
   </p:cSld>
   <p:clrMapOvr>
     <a:masterClrMapping/>
@@ -772,10 +755,10 @@
           <a:lstStyle/>
           <a:p>
             <a:r>
-              <a:rPr kumimoji="0" lang="zh-TW" altLang="en-US" smtClean="0"/>
-              <a:t>按一下以編輯母片標題樣式</a:t>
-            </a:r>
-            <a:endParaRPr kumimoji="0" lang="en-US"/>
+              <a:rPr lang="en-US" altLang="zh-TW" smtClean="0"/>
+              <a:t>Click to edit Master title style</a:t>
+            </a:r>
+            <a:endParaRPr lang="zh-TW" altLang="en-US"/>
           </a:p>
         </p:txBody>
       </p:sp>
@@ -794,40 +777,40 @@
           <a:bodyPr/>
           <a:lstStyle/>
           <a:p>
-            <a:pPr lvl="0" eaLnBrk="1" latinLnBrk="0" hangingPunct="1"/>
-            <a:r>
-              <a:rPr lang="zh-TW" altLang="en-US" smtClean="0"/>
-              <a:t>按一下以編輯母片文字樣式</a:t>
-            </a:r>
-          </a:p>
-          <a:p>
-            <a:pPr lvl="1" eaLnBrk="1" latinLnBrk="0" hangingPunct="1"/>
-            <a:r>
-              <a:rPr lang="zh-TW" altLang="en-US" smtClean="0"/>
-              <a:t>第二層</a:t>
-            </a:r>
-          </a:p>
-          <a:p>
-            <a:pPr lvl="2" eaLnBrk="1" latinLnBrk="0" hangingPunct="1"/>
-            <a:r>
-              <a:rPr lang="zh-TW" altLang="en-US" smtClean="0"/>
-              <a:t>第三層</a:t>
-            </a:r>
-          </a:p>
-          <a:p>
-            <a:pPr lvl="3" eaLnBrk="1" latinLnBrk="0" hangingPunct="1"/>
-            <a:r>
-              <a:rPr lang="zh-TW" altLang="en-US" smtClean="0"/>
-              <a:t>第四層</a:t>
-            </a:r>
-          </a:p>
-          <a:p>
-            <a:pPr lvl="4" eaLnBrk="1" latinLnBrk="0" hangingPunct="1"/>
-            <a:r>
-              <a:rPr lang="zh-TW" altLang="en-US" smtClean="0"/>
-              <a:t>第五層</a:t>
-            </a:r>
-            <a:endParaRPr kumimoji="0" lang="en-US"/>
+            <a:pPr lvl="0"/>
+            <a:r>
+              <a:rPr lang="en-US" altLang="zh-TW" smtClean="0"/>
+              <a:t>Edit Master text styles</a:t>
+            </a:r>
+          </a:p>
+          <a:p>
+            <a:pPr lvl="1"/>
+            <a:r>
+              <a:rPr lang="en-US" altLang="zh-TW" smtClean="0"/>
+              <a:t>Second level</a:t>
+            </a:r>
+          </a:p>
+          <a:p>
+            <a:pPr lvl="2"/>
+            <a:r>
+              <a:rPr lang="en-US" altLang="zh-TW" smtClean="0"/>
+              <a:t>Third level</a:t>
+            </a:r>
+          </a:p>
+          <a:p>
+            <a:pPr lvl="3"/>
+            <a:r>
+              <a:rPr lang="en-US" altLang="zh-TW" smtClean="0"/>
+              <a:t>Fourth level</a:t>
+            </a:r>
+          </a:p>
+          <a:p>
+            <a:pPr lvl="4"/>
+            <a:r>
+              <a:rPr lang="en-US" altLang="zh-TW" smtClean="0"/>
+              <a:t>Fifth level</a:t>
+            </a:r>
+            <a:endParaRPr lang="zh-TW" altLang="en-US"/>
           </a:p>
         </p:txBody>
       </p:sp>
@@ -849,7 +832,7 @@
             <a:fld id="{BA491F77-4D08-441C-A1CC-72B87BC1692F}" type="datetimeFigureOut">
               <a:rPr lang="zh-TW" altLang="en-US" smtClean="0"/>
               <a:pPr/>
-              <a:t>2017/7/8</a:t>
+              <a:t>2019/12/13</a:t>
             </a:fld>
             <a:endParaRPr lang="zh-TW" altLang="en-US"/>
           </a:p>
@@ -899,6 +882,11 @@
         </p:txBody>
       </p:sp>
     </p:spTree>
+    <p:extLst>
+      <p:ext uri="{BB962C8B-B14F-4D97-AF65-F5344CB8AC3E}">
+        <p14:creationId xmlns:p14="http://schemas.microsoft.com/office/powerpoint/2010/main" val="2233733804"/>
+      </p:ext>
+    </p:extLst>
   </p:cSld>
   <p:clrMapOvr>
     <a:masterClrMapping/>
@@ -909,11 +897,6 @@
 <file path=ppt/slideLayouts/slideLayout3.xml><?xml version="1.0" encoding="utf-8"?>
 <p:sldLayout xmlns:a="http://schemas.openxmlformats.org/drawingml/2006/main" xmlns:r="http://schemas.openxmlformats.org/officeDocument/2006/relationships" xmlns:p="http://schemas.openxmlformats.org/presentationml/2006/main" type="secHead" preserve="1">
   <p:cSld name="區段標題">
-    <p:bg>
-      <p:bgRef idx="1003">
-        <a:schemeClr val="bg2"/>
-      </p:bgRef>
-    </p:bg>
     <p:spTree>
       <p:nvGrpSpPr>
         <p:cNvPr id="1" name=""/>
@@ -940,23 +923,23 @@
         </p:nvSpPr>
         <p:spPr>
           <a:xfrm>
-            <a:off x="685800" y="3854150"/>
-            <a:ext cx="7772400" cy="1860850"/>
+            <a:off x="963084" y="4406901"/>
+            <a:ext cx="10363200" cy="1362075"/>
           </a:xfrm>
         </p:spPr>
         <p:txBody>
           <a:bodyPr anchor="t"/>
           <a:lstStyle>
             <a:lvl1pPr algn="l">
-              <a:defRPr sz="4400" b="1" cap="all"/>
+              <a:defRPr sz="4000" b="1" cap="all"/>
             </a:lvl1pPr>
           </a:lstStyle>
           <a:p>
             <a:r>
-              <a:rPr kumimoji="0" lang="zh-TW" altLang="en-US" smtClean="0"/>
-              <a:t>按一下以編輯母片標題樣式</a:t>
-            </a:r>
-            <a:endParaRPr kumimoji="0" lang="en-US"/>
+              <a:rPr lang="en-US" altLang="zh-TW" smtClean="0"/>
+              <a:t>Click to edit Master title style</a:t>
+            </a:r>
+            <a:endParaRPr lang="zh-TW" altLang="en-US"/>
           </a:p>
         </p:txBody>
       </p:sp>
@@ -972,50 +955,60 @@
         </p:nvSpPr>
         <p:spPr>
           <a:xfrm>
-            <a:off x="685800" y="2356428"/>
-            <a:ext cx="7772400" cy="1501200"/>
+            <a:off x="963084" y="2906713"/>
+            <a:ext cx="10363200" cy="1500187"/>
           </a:xfrm>
         </p:spPr>
         <p:txBody>
           <a:bodyPr anchor="b"/>
           <a:lstStyle>
-            <a:lvl1pPr marL="0" indent="0" algn="l">
+            <a:lvl1pPr marL="0" indent="0">
               <a:buNone/>
               <a:defRPr sz="2000">
                 <a:solidFill>
-                  <a:schemeClr val="tx2"/>
+                  <a:schemeClr val="tx1">
+                    <a:tint val="75000"/>
+                  </a:schemeClr>
                 </a:solidFill>
               </a:defRPr>
             </a:lvl1pPr>
-            <a:lvl2pPr marL="457200" indent="0" algn="l">
+            <a:lvl2pPr marL="457200" indent="0">
               <a:buNone/>
               <a:defRPr sz="1800">
                 <a:solidFill>
-                  <a:schemeClr val="tx2"/>
+                  <a:schemeClr val="tx1">
+                    <a:tint val="75000"/>
+                  </a:schemeClr>
                 </a:solidFill>
               </a:defRPr>
             </a:lvl2pPr>
-            <a:lvl3pPr marL="914400" indent="0" algn="l">
+            <a:lvl3pPr marL="914400" indent="0">
               <a:buNone/>
               <a:defRPr sz="1600">
                 <a:solidFill>
-                  <a:schemeClr val="tx2"/>
+                  <a:schemeClr val="tx1">
+                    <a:tint val="75000"/>
+                  </a:schemeClr>
                 </a:solidFill>
               </a:defRPr>
             </a:lvl3pPr>
-            <a:lvl4pPr marL="1371600" indent="0" algn="l">
+            <a:lvl4pPr marL="1371600" indent="0">
               <a:buNone/>
               <a:defRPr sz="1400">
                 <a:solidFill>
-                  <a:schemeClr val="tx2"/>
+                  <a:schemeClr val="tx1">
+                    <a:tint val="75000"/>
+                  </a:schemeClr>
                 </a:solidFill>
               </a:defRPr>
             </a:lvl4pPr>
-            <a:lvl5pPr marL="1828800" indent="0" algn="l">
+            <a:lvl5pPr marL="1828800" indent="0">
               <a:buNone/>
               <a:defRPr sz="1400">
                 <a:solidFill>
-                  <a:schemeClr val="tx2"/>
+                  <a:schemeClr val="tx1">
+                    <a:tint val="75000"/>
+                  </a:schemeClr>
                 </a:solidFill>
               </a:defRPr>
             </a:lvl5pPr>
@@ -1061,40 +1054,11 @@
             </a:lvl9pPr>
           </a:lstStyle>
           <a:p>
-            <a:pPr lvl="0" eaLnBrk="1" latinLnBrk="0" hangingPunct="1"/>
-            <a:r>
-              <a:rPr lang="zh-TW" altLang="en-US" smtClean="0"/>
-              <a:t>按一下以編輯母片文字樣式</a:t>
-            </a:r>
-          </a:p>
-          <a:p>
-            <a:pPr lvl="1" eaLnBrk="1" latinLnBrk="0" hangingPunct="1"/>
-            <a:r>
-              <a:rPr lang="zh-TW" altLang="en-US" smtClean="0"/>
-              <a:t>第二層</a:t>
-            </a:r>
-          </a:p>
-          <a:p>
-            <a:pPr lvl="2" eaLnBrk="1" latinLnBrk="0" hangingPunct="1"/>
-            <a:r>
-              <a:rPr lang="zh-TW" altLang="en-US" smtClean="0"/>
-              <a:t>第三層</a:t>
-            </a:r>
-          </a:p>
-          <a:p>
-            <a:pPr lvl="3" eaLnBrk="1" latinLnBrk="0" hangingPunct="1"/>
-            <a:r>
-              <a:rPr lang="zh-TW" altLang="en-US" smtClean="0"/>
-              <a:t>第四層</a:t>
-            </a:r>
-          </a:p>
-          <a:p>
-            <a:pPr lvl="4" eaLnBrk="1" latinLnBrk="0" hangingPunct="1"/>
-            <a:r>
-              <a:rPr lang="zh-TW" altLang="en-US" smtClean="0"/>
-              <a:t>第五層</a:t>
-            </a:r>
-            <a:endParaRPr kumimoji="0" lang="en-US"/>
+            <a:pPr lvl="0"/>
+            <a:r>
+              <a:rPr lang="en-US" altLang="zh-TW" smtClean="0"/>
+              <a:t>Edit Master text styles</a:t>
+            </a:r>
           </a:p>
         </p:txBody>
       </p:sp>
@@ -1116,7 +1080,7 @@
             <a:fld id="{BA491F77-4D08-441C-A1CC-72B87BC1692F}" type="datetimeFigureOut">
               <a:rPr lang="zh-TW" altLang="en-US" smtClean="0"/>
               <a:pPr/>
-              <a:t>2017/7/8</a:t>
+              <a:t>2019/12/13</a:t>
             </a:fld>
             <a:endParaRPr lang="zh-TW" altLang="en-US"/>
           </a:p>
@@ -1166,9 +1130,14 @@
         </p:txBody>
       </p:sp>
     </p:spTree>
+    <p:extLst>
+      <p:ext uri="{BB962C8B-B14F-4D97-AF65-F5344CB8AC3E}">
+        <p14:creationId xmlns:p14="http://schemas.microsoft.com/office/powerpoint/2010/main" val="448303306"/>
+      </p:ext>
+    </p:extLst>
   </p:cSld>
   <p:clrMapOvr>
-    <a:overrideClrMapping bg1="dk1" tx1="lt1" bg2="dk2" tx2="lt2" accent1="accent1" accent2="accent2" accent3="accent3" accent4="accent4" accent5="accent5" accent6="accent6" hlink="hlink" folHlink="folHlink"/>
+    <a:masterClrMapping/>
   </p:clrMapOvr>
 </p:sldLayout>
 </file>
@@ -1206,10 +1175,10 @@
           <a:lstStyle/>
           <a:p>
             <a:r>
-              <a:rPr kumimoji="0" lang="zh-TW" altLang="en-US" smtClean="0"/>
-              <a:t>按一下以編輯母片標題樣式</a:t>
-            </a:r>
-            <a:endParaRPr kumimoji="0" lang="en-US"/>
+              <a:rPr lang="en-US" altLang="zh-TW" smtClean="0"/>
+              <a:t>Click to edit Master title style</a:t>
+            </a:r>
+            <a:endParaRPr lang="zh-TW" altLang="en-US"/>
           </a:p>
         </p:txBody>
       </p:sp>
@@ -1225,8 +1194,8 @@
         </p:nvSpPr>
         <p:spPr>
           <a:xfrm>
-            <a:off x="457200" y="1600200"/>
-            <a:ext cx="4038600" cy="4525963"/>
+            <a:off x="609600" y="1600201"/>
+            <a:ext cx="5384800" cy="4525963"/>
           </a:xfrm>
         </p:spPr>
         <p:txBody>
@@ -1261,40 +1230,40 @@
             </a:lvl9pPr>
           </a:lstStyle>
           <a:p>
-            <a:pPr lvl="0" eaLnBrk="1" latinLnBrk="0" hangingPunct="1"/>
-            <a:r>
-              <a:rPr lang="zh-TW" altLang="en-US" smtClean="0"/>
-              <a:t>按一下以編輯母片文字樣式</a:t>
-            </a:r>
-          </a:p>
-          <a:p>
-            <a:pPr lvl="1" eaLnBrk="1" latinLnBrk="0" hangingPunct="1"/>
-            <a:r>
-              <a:rPr lang="zh-TW" altLang="en-US" smtClean="0"/>
-              <a:t>第二層</a:t>
-            </a:r>
-          </a:p>
-          <a:p>
-            <a:pPr lvl="2" eaLnBrk="1" latinLnBrk="0" hangingPunct="1"/>
-            <a:r>
-              <a:rPr lang="zh-TW" altLang="en-US" smtClean="0"/>
-              <a:t>第三層</a:t>
-            </a:r>
-          </a:p>
-          <a:p>
-            <a:pPr lvl="3" eaLnBrk="1" latinLnBrk="0" hangingPunct="1"/>
-            <a:r>
-              <a:rPr lang="zh-TW" altLang="en-US" smtClean="0"/>
-              <a:t>第四層</a:t>
-            </a:r>
-          </a:p>
-          <a:p>
-            <a:pPr lvl="4" eaLnBrk="1" latinLnBrk="0" hangingPunct="1"/>
-            <a:r>
-              <a:rPr lang="zh-TW" altLang="en-US" smtClean="0"/>
-              <a:t>第五層</a:t>
-            </a:r>
-            <a:endParaRPr kumimoji="0" lang="en-US"/>
+            <a:pPr lvl="0"/>
+            <a:r>
+              <a:rPr lang="en-US" altLang="zh-TW" smtClean="0"/>
+              <a:t>Edit Master text styles</a:t>
+            </a:r>
+          </a:p>
+          <a:p>
+            <a:pPr lvl="1"/>
+            <a:r>
+              <a:rPr lang="en-US" altLang="zh-TW" smtClean="0"/>
+              <a:t>Second level</a:t>
+            </a:r>
+          </a:p>
+          <a:p>
+            <a:pPr lvl="2"/>
+            <a:r>
+              <a:rPr lang="en-US" altLang="zh-TW" smtClean="0"/>
+              <a:t>Third level</a:t>
+            </a:r>
+          </a:p>
+          <a:p>
+            <a:pPr lvl="3"/>
+            <a:r>
+              <a:rPr lang="en-US" altLang="zh-TW" smtClean="0"/>
+              <a:t>Fourth level</a:t>
+            </a:r>
+          </a:p>
+          <a:p>
+            <a:pPr lvl="4"/>
+            <a:r>
+              <a:rPr lang="en-US" altLang="zh-TW" smtClean="0"/>
+              <a:t>Fifth level</a:t>
+            </a:r>
+            <a:endParaRPr lang="zh-TW" altLang="en-US"/>
           </a:p>
         </p:txBody>
       </p:sp>
@@ -1310,8 +1279,8 @@
         </p:nvSpPr>
         <p:spPr>
           <a:xfrm>
-            <a:off x="4648200" y="1600200"/>
-            <a:ext cx="4038600" cy="4525963"/>
+            <a:off x="6197600" y="1600201"/>
+            <a:ext cx="5384800" cy="4525963"/>
           </a:xfrm>
         </p:spPr>
         <p:txBody>
@@ -1346,40 +1315,40 @@
             </a:lvl9pPr>
           </a:lstStyle>
           <a:p>
-            <a:pPr lvl="0" eaLnBrk="1" latinLnBrk="0" hangingPunct="1"/>
-            <a:r>
-              <a:rPr lang="zh-TW" altLang="en-US" smtClean="0"/>
-              <a:t>按一下以編輯母片文字樣式</a:t>
-            </a:r>
-          </a:p>
-          <a:p>
-            <a:pPr lvl="1" eaLnBrk="1" latinLnBrk="0" hangingPunct="1"/>
-            <a:r>
-              <a:rPr lang="zh-TW" altLang="en-US" smtClean="0"/>
-              <a:t>第二層</a:t>
-            </a:r>
-          </a:p>
-          <a:p>
-            <a:pPr lvl="2" eaLnBrk="1" latinLnBrk="0" hangingPunct="1"/>
-            <a:r>
-              <a:rPr lang="zh-TW" altLang="en-US" smtClean="0"/>
-              <a:t>第三層</a:t>
-            </a:r>
-          </a:p>
-          <a:p>
-            <a:pPr lvl="3" eaLnBrk="1" latinLnBrk="0" hangingPunct="1"/>
-            <a:r>
-              <a:rPr lang="zh-TW" altLang="en-US" smtClean="0"/>
-              <a:t>第四層</a:t>
-            </a:r>
-          </a:p>
-          <a:p>
-            <a:pPr lvl="4" eaLnBrk="1" latinLnBrk="0" hangingPunct="1"/>
-            <a:r>
-              <a:rPr lang="zh-TW" altLang="en-US" smtClean="0"/>
-              <a:t>第五層</a:t>
-            </a:r>
-            <a:endParaRPr kumimoji="0" lang="en-US"/>
+            <a:pPr lvl="0"/>
+            <a:r>
+              <a:rPr lang="en-US" altLang="zh-TW" smtClean="0"/>
+              <a:t>Edit Master text styles</a:t>
+            </a:r>
+          </a:p>
+          <a:p>
+            <a:pPr lvl="1"/>
+            <a:r>
+              <a:rPr lang="en-US" altLang="zh-TW" smtClean="0"/>
+              <a:t>Second level</a:t>
+            </a:r>
+          </a:p>
+          <a:p>
+            <a:pPr lvl="2"/>
+            <a:r>
+              <a:rPr lang="en-US" altLang="zh-TW" smtClean="0"/>
+              <a:t>Third level</a:t>
+            </a:r>
+          </a:p>
+          <a:p>
+            <a:pPr lvl="3"/>
+            <a:r>
+              <a:rPr lang="en-US" altLang="zh-TW" smtClean="0"/>
+              <a:t>Fourth level</a:t>
+            </a:r>
+          </a:p>
+          <a:p>
+            <a:pPr lvl="4"/>
+            <a:r>
+              <a:rPr lang="en-US" altLang="zh-TW" smtClean="0"/>
+              <a:t>Fifth level</a:t>
+            </a:r>
+            <a:endParaRPr lang="zh-TW" altLang="en-US"/>
           </a:p>
         </p:txBody>
       </p:sp>
@@ -1401,7 +1370,7 @@
             <a:fld id="{BA491F77-4D08-441C-A1CC-72B87BC1692F}" type="datetimeFigureOut">
               <a:rPr lang="zh-TW" altLang="en-US" smtClean="0"/>
               <a:pPr/>
-              <a:t>2017/7/8</a:t>
+              <a:t>2019/12/13</a:t>
             </a:fld>
             <a:endParaRPr lang="zh-TW" altLang="en-US"/>
           </a:p>
@@ -1451,6 +1420,11 @@
         </p:txBody>
       </p:sp>
     </p:spTree>
+    <p:extLst>
+      <p:ext uri="{BB962C8B-B14F-4D97-AF65-F5344CB8AC3E}">
+        <p14:creationId xmlns:p14="http://schemas.microsoft.com/office/powerpoint/2010/main" val="2834401465"/>
+      </p:ext>
+    </p:extLst>
   </p:cSld>
   <p:clrMapOvr>
     <a:masterClrMapping/>
@@ -1477,6 +1451,33 @@
       </p:grpSpPr>
       <p:sp>
         <p:nvSpPr>
+          <p:cNvPr id="2" name="標題 1"/>
+          <p:cNvSpPr>
+            <a:spLocks noGrp="1"/>
+          </p:cNvSpPr>
+          <p:nvPr>
+            <p:ph type="title"/>
+          </p:nvPr>
+        </p:nvSpPr>
+        <p:spPr/>
+        <p:txBody>
+          <a:bodyPr/>
+          <a:lstStyle>
+            <a:lvl1pPr>
+              <a:defRPr/>
+            </a:lvl1pPr>
+          </a:lstStyle>
+          <a:p>
+            <a:r>
+              <a:rPr lang="en-US" altLang="zh-TW" smtClean="0"/>
+              <a:t>Click to edit Master title style</a:t>
+            </a:r>
+            <a:endParaRPr lang="zh-TW" altLang="en-US"/>
+          </a:p>
+        </p:txBody>
+      </p:sp>
+      <p:sp>
+        <p:nvSpPr>
           <p:cNvPr id="3" name="文字版面配置區 2"/>
           <p:cNvSpPr>
             <a:spLocks noGrp="1"/>
@@ -1487,8 +1488,8 @@
         </p:nvSpPr>
         <p:spPr>
           <a:xfrm>
-            <a:off x="457200" y="1535113"/>
-            <a:ext cx="4040188" cy="639762"/>
+            <a:off x="609600" y="1535113"/>
+            <a:ext cx="5386917" cy="639762"/>
           </a:xfrm>
         </p:spPr>
         <p:txBody>
@@ -1532,10 +1533,10 @@
             </a:lvl9pPr>
           </a:lstStyle>
           <a:p>
-            <a:pPr lvl="0" eaLnBrk="1" latinLnBrk="0" hangingPunct="1"/>
-            <a:r>
-              <a:rPr kumimoji="0" lang="zh-TW" altLang="en-US" smtClean="0"/>
-              <a:t>按一下以編輯母片文字樣式</a:t>
+            <a:pPr lvl="0"/>
+            <a:r>
+              <a:rPr lang="en-US" altLang="zh-TW" smtClean="0"/>
+              <a:t>Edit Master text styles</a:t>
             </a:r>
           </a:p>
         </p:txBody>
@@ -1552,8 +1553,8 @@
         </p:nvSpPr>
         <p:spPr>
           <a:xfrm>
-            <a:off x="457200" y="2174875"/>
-            <a:ext cx="4040188" cy="3951288"/>
+            <a:off x="609600" y="2174875"/>
+            <a:ext cx="5386917" cy="3951288"/>
           </a:xfrm>
         </p:spPr>
         <p:txBody>
@@ -1588,40 +1589,40 @@
             </a:lvl9pPr>
           </a:lstStyle>
           <a:p>
-            <a:pPr lvl="0" eaLnBrk="1" latinLnBrk="0" hangingPunct="1"/>
-            <a:r>
-              <a:rPr lang="zh-TW" altLang="en-US" smtClean="0"/>
-              <a:t>按一下以編輯母片文字樣式</a:t>
-            </a:r>
-          </a:p>
-          <a:p>
-            <a:pPr lvl="1" eaLnBrk="1" latinLnBrk="0" hangingPunct="1"/>
-            <a:r>
-              <a:rPr lang="zh-TW" altLang="en-US" smtClean="0"/>
-              <a:t>第二層</a:t>
-            </a:r>
-          </a:p>
-          <a:p>
-            <a:pPr lvl="2" eaLnBrk="1" latinLnBrk="0" hangingPunct="1"/>
-            <a:r>
-              <a:rPr lang="zh-TW" altLang="en-US" smtClean="0"/>
-              <a:t>第三層</a:t>
-            </a:r>
-          </a:p>
-          <a:p>
-            <a:pPr lvl="3" eaLnBrk="1" latinLnBrk="0" hangingPunct="1"/>
-            <a:r>
-              <a:rPr lang="zh-TW" altLang="en-US" smtClean="0"/>
-              <a:t>第四層</a:t>
-            </a:r>
-          </a:p>
-          <a:p>
-            <a:pPr lvl="4" eaLnBrk="1" latinLnBrk="0" hangingPunct="1"/>
-            <a:r>
-              <a:rPr lang="zh-TW" altLang="en-US" smtClean="0"/>
-              <a:t>第五層</a:t>
-            </a:r>
-            <a:endParaRPr kumimoji="0" lang="en-US"/>
+            <a:pPr lvl="0"/>
+            <a:r>
+              <a:rPr lang="en-US" altLang="zh-TW" smtClean="0"/>
+              <a:t>Edit Master text styles</a:t>
+            </a:r>
+          </a:p>
+          <a:p>
+            <a:pPr lvl="1"/>
+            <a:r>
+              <a:rPr lang="en-US" altLang="zh-TW" smtClean="0"/>
+              <a:t>Second level</a:t>
+            </a:r>
+          </a:p>
+          <a:p>
+            <a:pPr lvl="2"/>
+            <a:r>
+              <a:rPr lang="en-US" altLang="zh-TW" smtClean="0"/>
+              <a:t>Third level</a:t>
+            </a:r>
+          </a:p>
+          <a:p>
+            <a:pPr lvl="3"/>
+            <a:r>
+              <a:rPr lang="en-US" altLang="zh-TW" smtClean="0"/>
+              <a:t>Fourth level</a:t>
+            </a:r>
+          </a:p>
+          <a:p>
+            <a:pPr lvl="4"/>
+            <a:r>
+              <a:rPr lang="en-US" altLang="zh-TW" smtClean="0"/>
+              <a:t>Fifth level</a:t>
+            </a:r>
+            <a:endParaRPr lang="zh-TW" altLang="en-US"/>
           </a:p>
         </p:txBody>
       </p:sp>
@@ -1637,8 +1638,8 @@
         </p:nvSpPr>
         <p:spPr>
           <a:xfrm>
-            <a:off x="4645025" y="1535113"/>
-            <a:ext cx="4041775" cy="639762"/>
+            <a:off x="6193368" y="1535113"/>
+            <a:ext cx="5389033" cy="639762"/>
           </a:xfrm>
         </p:spPr>
         <p:txBody>
@@ -1682,10 +1683,10 @@
             </a:lvl9pPr>
           </a:lstStyle>
           <a:p>
-            <a:pPr lvl="0" eaLnBrk="1" latinLnBrk="0" hangingPunct="1"/>
-            <a:r>
-              <a:rPr kumimoji="0" lang="zh-TW" altLang="en-US" smtClean="0"/>
-              <a:t>按一下以編輯母片文字樣式</a:t>
+            <a:pPr lvl="0"/>
+            <a:r>
+              <a:rPr lang="en-US" altLang="zh-TW" smtClean="0"/>
+              <a:t>Edit Master text styles</a:t>
             </a:r>
           </a:p>
         </p:txBody>
@@ -1702,8 +1703,8 @@
         </p:nvSpPr>
         <p:spPr>
           <a:xfrm>
-            <a:off x="4645025" y="2174875"/>
-            <a:ext cx="4041775" cy="3951288"/>
+            <a:off x="6193368" y="2174875"/>
+            <a:ext cx="5389033" cy="3951288"/>
           </a:xfrm>
         </p:spPr>
         <p:txBody>
@@ -1738,40 +1739,40 @@
             </a:lvl9pPr>
           </a:lstStyle>
           <a:p>
-            <a:pPr lvl="0" eaLnBrk="1" latinLnBrk="0" hangingPunct="1"/>
-            <a:r>
-              <a:rPr lang="zh-TW" altLang="en-US" smtClean="0"/>
-              <a:t>按一下以編輯母片文字樣式</a:t>
-            </a:r>
-          </a:p>
-          <a:p>
-            <a:pPr lvl="1" eaLnBrk="1" latinLnBrk="0" hangingPunct="1"/>
-            <a:r>
-              <a:rPr lang="zh-TW" altLang="en-US" smtClean="0"/>
-              <a:t>第二層</a:t>
-            </a:r>
-          </a:p>
-          <a:p>
-            <a:pPr lvl="2" eaLnBrk="1" latinLnBrk="0" hangingPunct="1"/>
-            <a:r>
-              <a:rPr lang="zh-TW" altLang="en-US" smtClean="0"/>
-              <a:t>第三層</a:t>
-            </a:r>
-          </a:p>
-          <a:p>
-            <a:pPr lvl="3" eaLnBrk="1" latinLnBrk="0" hangingPunct="1"/>
-            <a:r>
-              <a:rPr lang="zh-TW" altLang="en-US" smtClean="0"/>
-              <a:t>第四層</a:t>
-            </a:r>
-          </a:p>
-          <a:p>
-            <a:pPr lvl="4" eaLnBrk="1" latinLnBrk="0" hangingPunct="1"/>
-            <a:r>
-              <a:rPr lang="zh-TW" altLang="en-US" smtClean="0"/>
-              <a:t>第五層</a:t>
-            </a:r>
-            <a:endParaRPr kumimoji="0" lang="en-US"/>
+            <a:pPr lvl="0"/>
+            <a:r>
+              <a:rPr lang="en-US" altLang="zh-TW" smtClean="0"/>
+              <a:t>Edit Master text styles</a:t>
+            </a:r>
+          </a:p>
+          <a:p>
+            <a:pPr lvl="1"/>
+            <a:r>
+              <a:rPr lang="en-US" altLang="zh-TW" smtClean="0"/>
+              <a:t>Second level</a:t>
+            </a:r>
+          </a:p>
+          <a:p>
+            <a:pPr lvl="2"/>
+            <a:r>
+              <a:rPr lang="en-US" altLang="zh-TW" smtClean="0"/>
+              <a:t>Third level</a:t>
+            </a:r>
+          </a:p>
+          <a:p>
+            <a:pPr lvl="3"/>
+            <a:r>
+              <a:rPr lang="en-US" altLang="zh-TW" smtClean="0"/>
+              <a:t>Fourth level</a:t>
+            </a:r>
+          </a:p>
+          <a:p>
+            <a:pPr lvl="4"/>
+            <a:r>
+              <a:rPr lang="en-US" altLang="zh-TW" smtClean="0"/>
+              <a:t>Fifth level</a:t>
+            </a:r>
+            <a:endParaRPr lang="zh-TW" altLang="en-US"/>
           </a:p>
         </p:txBody>
       </p:sp>
@@ -1793,7 +1794,7 @@
             <a:fld id="{BA491F77-4D08-441C-A1CC-72B87BC1692F}" type="datetimeFigureOut">
               <a:rPr lang="zh-TW" altLang="en-US" smtClean="0"/>
               <a:pPr/>
-              <a:t>2017/7/8</a:t>
+              <a:t>2019/12/13</a:t>
             </a:fld>
             <a:endParaRPr lang="zh-TW" altLang="en-US"/>
           </a:p>
@@ -1842,34 +1843,12 @@
           </a:p>
         </p:txBody>
       </p:sp>
-      <p:sp>
-        <p:nvSpPr>
-          <p:cNvPr id="2" name="標題 1"/>
-          <p:cNvSpPr>
-            <a:spLocks noGrp="1"/>
-          </p:cNvSpPr>
-          <p:nvPr>
-            <p:ph type="title"/>
-          </p:nvPr>
-        </p:nvSpPr>
-        <p:spPr/>
-        <p:txBody>
-          <a:bodyPr/>
-          <a:lstStyle>
-            <a:lvl1pPr>
-              <a:defRPr/>
-            </a:lvl1pPr>
-          </a:lstStyle>
-          <a:p>
-            <a:r>
-              <a:rPr kumimoji="0" lang="zh-TW" altLang="en-US" smtClean="0"/>
-              <a:t>按一下以編輯母片標題樣式</a:t>
-            </a:r>
-            <a:endParaRPr kumimoji="0" lang="en-US"/>
-          </a:p>
-        </p:txBody>
-      </p:sp>
     </p:spTree>
+    <p:extLst>
+      <p:ext uri="{BB962C8B-B14F-4D97-AF65-F5344CB8AC3E}">
+        <p14:creationId xmlns:p14="http://schemas.microsoft.com/office/powerpoint/2010/main" val="112529650"/>
+      </p:ext>
+    </p:extLst>
   </p:cSld>
   <p:clrMapOvr>
     <a:masterClrMapping/>
@@ -1910,10 +1889,10 @@
           <a:lstStyle/>
           <a:p>
             <a:r>
-              <a:rPr kumimoji="0" lang="zh-TW" altLang="en-US" smtClean="0"/>
-              <a:t>按一下以編輯母片標題樣式</a:t>
-            </a:r>
-            <a:endParaRPr kumimoji="0" lang="en-US"/>
+              <a:rPr lang="en-US" altLang="zh-TW" smtClean="0"/>
+              <a:t>Click to edit Master title style</a:t>
+            </a:r>
+            <a:endParaRPr lang="zh-TW" altLang="en-US"/>
           </a:p>
         </p:txBody>
       </p:sp>
@@ -1935,7 +1914,7 @@
             <a:fld id="{BA491F77-4D08-441C-A1CC-72B87BC1692F}" type="datetimeFigureOut">
               <a:rPr lang="zh-TW" altLang="en-US" smtClean="0"/>
               <a:pPr/>
-              <a:t>2017/7/8</a:t>
+              <a:t>2019/12/13</a:t>
             </a:fld>
             <a:endParaRPr lang="zh-TW" altLang="en-US"/>
           </a:p>
@@ -1985,6 +1964,11 @@
         </p:txBody>
       </p:sp>
     </p:spTree>
+    <p:extLst>
+      <p:ext uri="{BB962C8B-B14F-4D97-AF65-F5344CB8AC3E}">
+        <p14:creationId xmlns:p14="http://schemas.microsoft.com/office/powerpoint/2010/main" val="2273855018"/>
+      </p:ext>
+    </p:extLst>
   </p:cSld>
   <p:clrMapOvr>
     <a:masterClrMapping/>
@@ -2027,7 +2011,7 @@
             <a:fld id="{BA491F77-4D08-441C-A1CC-72B87BC1692F}" type="datetimeFigureOut">
               <a:rPr lang="zh-TW" altLang="en-US" smtClean="0"/>
               <a:pPr/>
-              <a:t>2017/7/8</a:t>
+              <a:t>2019/12/13</a:t>
             </a:fld>
             <a:endParaRPr lang="zh-TW" altLang="en-US"/>
           </a:p>
@@ -2077,6 +2061,11 @@
         </p:txBody>
       </p:sp>
     </p:spTree>
+    <p:extLst>
+      <p:ext uri="{BB962C8B-B14F-4D97-AF65-F5344CB8AC3E}">
+        <p14:creationId xmlns:p14="http://schemas.microsoft.com/office/powerpoint/2010/main" val="1014577772"/>
+      </p:ext>
+    </p:extLst>
   </p:cSld>
   <p:clrMapOvr>
     <a:masterClrMapping/>
@@ -2113,48 +2102,23 @@
         </p:nvSpPr>
         <p:spPr>
           <a:xfrm>
-            <a:off x="326258" y="381000"/>
-            <a:ext cx="2667000" cy="1833554"/>
+            <a:off x="609601" y="273050"/>
+            <a:ext cx="4011084" cy="1162050"/>
           </a:xfrm>
         </p:spPr>
         <p:txBody>
-          <a:bodyPr anchor="ctr">
-            <a:scene3d>
-              <a:camera prst="orthographicFront"/>
-              <a:lightRig rig="soft" dir="tl">
-                <a:rot lat="0" lon="0" rev="0"/>
-              </a:lightRig>
-            </a:scene3d>
-            <a:sp3d contourW="8890">
-              <a:contourClr>
-                <a:schemeClr val="accent3">
-                  <a:shade val="55000"/>
-                </a:schemeClr>
-              </a:contourClr>
-            </a:sp3d>
-          </a:bodyPr>
+          <a:bodyPr anchor="b"/>
           <a:lstStyle>
             <a:lvl1pPr algn="l">
-              <a:defRPr sz="3200" b="1" kern="1200" cap="all" spc="50">
-                <a:ln w="15875">
-                  <a:noFill/>
-                </a:ln>
-                <a:solidFill>
-                  <a:schemeClr val="tx2"/>
-                </a:solidFill>
-                <a:effectLst/>
-                <a:latin typeface="+mj-lt"/>
-                <a:ea typeface="+mj-ea"/>
-                <a:cs typeface="+mj-cs"/>
-              </a:defRPr>
+              <a:defRPr sz="2000" b="1"/>
             </a:lvl1pPr>
           </a:lstStyle>
           <a:p>
             <a:r>
-              <a:rPr kumimoji="0" lang="zh-TW" altLang="en-US" smtClean="0"/>
-              <a:t>按一下以編輯母片標題樣式</a:t>
-            </a:r>
-            <a:endParaRPr kumimoji="0" lang="en-US"/>
+              <a:rPr lang="en-US" altLang="zh-TW" smtClean="0"/>
+              <a:t>Click to edit Master title style</a:t>
+            </a:r>
+            <a:endParaRPr lang="zh-TW" altLang="en-US"/>
           </a:p>
         </p:txBody>
       </p:sp>
@@ -2170,8 +2134,8 @@
         </p:nvSpPr>
         <p:spPr>
           <a:xfrm>
-            <a:off x="3352800" y="380999"/>
-            <a:ext cx="5410200" cy="5745165"/>
+            <a:off x="4766733" y="273051"/>
+            <a:ext cx="6815667" cy="5853113"/>
           </a:xfrm>
         </p:spPr>
         <p:txBody>
@@ -2206,40 +2170,40 @@
             </a:lvl9pPr>
           </a:lstStyle>
           <a:p>
-            <a:pPr lvl="0" eaLnBrk="1" latinLnBrk="0" hangingPunct="1"/>
-            <a:r>
-              <a:rPr lang="zh-TW" altLang="en-US" smtClean="0"/>
-              <a:t>按一下以編輯母片文字樣式</a:t>
-            </a:r>
-          </a:p>
-          <a:p>
-            <a:pPr lvl="1" eaLnBrk="1" latinLnBrk="0" hangingPunct="1"/>
-            <a:r>
-              <a:rPr lang="zh-TW" altLang="en-US" smtClean="0"/>
-              <a:t>第二層</a:t>
-            </a:r>
-          </a:p>
-          <a:p>
-            <a:pPr lvl="2" eaLnBrk="1" latinLnBrk="0" hangingPunct="1"/>
-            <a:r>
-              <a:rPr lang="zh-TW" altLang="en-US" smtClean="0"/>
-              <a:t>第三層</a:t>
-            </a:r>
-          </a:p>
-          <a:p>
-            <a:pPr lvl="3" eaLnBrk="1" latinLnBrk="0" hangingPunct="1"/>
-            <a:r>
-              <a:rPr lang="zh-TW" altLang="en-US" smtClean="0"/>
-              <a:t>第四層</a:t>
-            </a:r>
-          </a:p>
-          <a:p>
-            <a:pPr lvl="4" eaLnBrk="1" latinLnBrk="0" hangingPunct="1"/>
-            <a:r>
-              <a:rPr lang="zh-TW" altLang="en-US" smtClean="0"/>
-              <a:t>第五層</a:t>
-            </a:r>
-            <a:endParaRPr kumimoji="0" lang="en-US"/>
+            <a:pPr lvl="0"/>
+            <a:r>
+              <a:rPr lang="en-US" altLang="zh-TW" smtClean="0"/>
+              <a:t>Edit Master text styles</a:t>
+            </a:r>
+          </a:p>
+          <a:p>
+            <a:pPr lvl="1"/>
+            <a:r>
+              <a:rPr lang="en-US" altLang="zh-TW" smtClean="0"/>
+              <a:t>Second level</a:t>
+            </a:r>
+          </a:p>
+          <a:p>
+            <a:pPr lvl="2"/>
+            <a:r>
+              <a:rPr lang="en-US" altLang="zh-TW" smtClean="0"/>
+              <a:t>Third level</a:t>
+            </a:r>
+          </a:p>
+          <a:p>
+            <a:pPr lvl="3"/>
+            <a:r>
+              <a:rPr lang="en-US" altLang="zh-TW" smtClean="0"/>
+              <a:t>Fourth level</a:t>
+            </a:r>
+          </a:p>
+          <a:p>
+            <a:pPr lvl="4"/>
+            <a:r>
+              <a:rPr lang="en-US" altLang="zh-TW" smtClean="0"/>
+              <a:t>Fifth level</a:t>
+            </a:r>
+            <a:endParaRPr lang="zh-TW" altLang="en-US"/>
           </a:p>
         </p:txBody>
       </p:sp>
@@ -2255,8 +2219,8 @@
         </p:nvSpPr>
         <p:spPr>
           <a:xfrm>
-            <a:off x="326258" y="2214554"/>
-            <a:ext cx="2667000" cy="3912182"/>
+            <a:off x="609601" y="1435101"/>
+            <a:ext cx="4011084" cy="4691063"/>
           </a:xfrm>
         </p:spPr>
         <p:txBody>
@@ -2300,40 +2264,11 @@
             </a:lvl9pPr>
           </a:lstStyle>
           <a:p>
-            <a:pPr lvl="0" eaLnBrk="1" latinLnBrk="0" hangingPunct="1"/>
-            <a:r>
-              <a:rPr lang="zh-TW" altLang="en-US" smtClean="0"/>
-              <a:t>按一下以編輯母片文字樣式</a:t>
-            </a:r>
-          </a:p>
-          <a:p>
-            <a:pPr lvl="1" eaLnBrk="1" latinLnBrk="0" hangingPunct="1"/>
-            <a:r>
-              <a:rPr lang="zh-TW" altLang="en-US" smtClean="0"/>
-              <a:t>第二層</a:t>
-            </a:r>
-          </a:p>
-          <a:p>
-            <a:pPr lvl="2" eaLnBrk="1" latinLnBrk="0" hangingPunct="1"/>
-            <a:r>
-              <a:rPr lang="zh-TW" altLang="en-US" smtClean="0"/>
-              <a:t>第三層</a:t>
-            </a:r>
-          </a:p>
-          <a:p>
-            <a:pPr lvl="3" eaLnBrk="1" latinLnBrk="0" hangingPunct="1"/>
-            <a:r>
-              <a:rPr lang="zh-TW" altLang="en-US" smtClean="0"/>
-              <a:t>第四層</a:t>
-            </a:r>
-          </a:p>
-          <a:p>
-            <a:pPr lvl="4" eaLnBrk="1" latinLnBrk="0" hangingPunct="1"/>
-            <a:r>
-              <a:rPr lang="zh-TW" altLang="en-US" smtClean="0"/>
-              <a:t>第五層</a:t>
-            </a:r>
-            <a:endParaRPr kumimoji="0" lang="en-US"/>
+            <a:pPr lvl="0"/>
+            <a:r>
+              <a:rPr lang="en-US" altLang="zh-TW" smtClean="0"/>
+              <a:t>Edit Master text styles</a:t>
+            </a:r>
           </a:p>
         </p:txBody>
       </p:sp>
@@ -2355,7 +2290,7 @@
             <a:fld id="{BA491F77-4D08-441C-A1CC-72B87BC1692F}" type="datetimeFigureOut">
               <a:rPr lang="zh-TW" altLang="en-US" smtClean="0"/>
               <a:pPr/>
-              <a:t>2017/7/8</a:t>
+              <a:t>2019/12/13</a:t>
             </a:fld>
             <a:endParaRPr lang="zh-TW" altLang="en-US"/>
           </a:p>
@@ -2405,6 +2340,11 @@
         </p:txBody>
       </p:sp>
     </p:spTree>
+    <p:extLst>
+      <p:ext uri="{BB962C8B-B14F-4D97-AF65-F5344CB8AC3E}">
+        <p14:creationId xmlns:p14="http://schemas.microsoft.com/office/powerpoint/2010/main" val="3430250168"/>
+      </p:ext>
+    </p:extLst>
   </p:cSld>
   <p:clrMapOvr>
     <a:masterClrMapping/>
@@ -2429,191 +2369,53 @@
           <a:chExt cx="0" cy="0"/>
         </a:xfrm>
       </p:grpSpPr>
-      <p:grpSp>
-        <p:nvGrpSpPr>
-          <p:cNvPr id="8" name="群組 7"/>
-          <p:cNvGrpSpPr/>
-          <p:nvPr/>
-        </p:nvGrpSpPr>
-        <p:grpSpPr>
-          <a:xfrm>
-            <a:off x="1580474" y="553734"/>
-            <a:ext cx="7349244" cy="4741531"/>
-            <a:chOff x="428596" y="553734"/>
-            <a:chExt cx="7349244" cy="4741531"/>
-          </a:xfrm>
-        </p:grpSpPr>
-        <p:sp>
-          <p:nvSpPr>
-            <p:cNvPr id="16" name="矩形 15"/>
-            <p:cNvSpPr/>
-            <p:nvPr userDrawn="1"/>
-          </p:nvSpPr>
-          <p:spPr>
-            <a:xfrm rot="21480000">
-              <a:off x="428596" y="580356"/>
-              <a:ext cx="7340359" cy="4714909"/>
-            </a:xfrm>
-            <a:prstGeom prst="rect">
-              <a:avLst/>
-            </a:prstGeom>
-            <a:ln w="1270" cap="flat" cmpd="sng" algn="ctr">
-              <a:noFill/>
-              <a:prstDash val="solid"/>
-              <a:miter lim="800000"/>
-            </a:ln>
-            <a:effectLst>
-              <a:outerShdw blurRad="54991" dist="17780" dir="5400000" algn="tl" rotWithShape="0">
-                <a:srgbClr val="000000">
-                  <a:alpha val="66000"/>
-                </a:srgbClr>
-              </a:outerShdw>
-            </a:effectLst>
-          </p:spPr>
-          <p:style>
-            <a:lnRef idx="2">
-              <a:schemeClr val="accent1"/>
-            </a:lnRef>
-            <a:fillRef idx="1">
-              <a:schemeClr val="lt1"/>
-            </a:fillRef>
-            <a:effectRef idx="0">
-              <a:schemeClr val="accent1"/>
-            </a:effectRef>
-            <a:fontRef idx="minor">
-              <a:schemeClr val="dk1"/>
-            </a:fontRef>
-          </p:style>
-          <p:txBody>
-            <a:bodyPr rtlCol="0" anchor="ctr"/>
-            <a:lstStyle/>
-            <a:p>
-              <a:pPr algn="ctr" eaLnBrk="1" latinLnBrk="0" hangingPunct="1"/>
-              <a:endParaRPr kumimoji="0" lang="zh-CN" altLang="en-US"/>
-            </a:p>
-          </p:txBody>
-        </p:sp>
-        <p:sp>
-          <p:nvSpPr>
-            <p:cNvPr id="17" name="矩形 16"/>
-            <p:cNvSpPr/>
-            <p:nvPr userDrawn="1"/>
-          </p:nvSpPr>
-          <p:spPr>
-            <a:xfrm rot="21540000">
-              <a:off x="437473" y="571479"/>
-              <a:ext cx="7340359" cy="4714909"/>
-            </a:xfrm>
-            <a:prstGeom prst="rect">
-              <a:avLst/>
-            </a:prstGeom>
-            <a:ln w="1270" cap="flat" cmpd="sng" algn="ctr">
-              <a:noFill/>
-              <a:prstDash val="solid"/>
-              <a:miter lim="800000"/>
-            </a:ln>
-            <a:effectLst>
-              <a:outerShdw blurRad="54991" dist="17780" dir="5400000" algn="tl" rotWithShape="0">
-                <a:srgbClr val="000000">
-                  <a:alpha val="66000"/>
-                </a:srgbClr>
-              </a:outerShdw>
-            </a:effectLst>
-          </p:spPr>
-          <p:style>
-            <a:lnRef idx="2">
-              <a:schemeClr val="accent1"/>
-            </a:lnRef>
-            <a:fillRef idx="1">
-              <a:schemeClr val="lt1"/>
-            </a:fillRef>
-            <a:effectRef idx="0">
-              <a:schemeClr val="accent1"/>
-            </a:effectRef>
-            <a:fontRef idx="minor">
-              <a:schemeClr val="dk1"/>
-            </a:fontRef>
-          </p:style>
-          <p:txBody>
-            <a:bodyPr rtlCol="0" anchor="ctr"/>
-            <a:lstStyle/>
-            <a:p>
-              <a:pPr algn="ctr" eaLnBrk="1" latinLnBrk="0" hangingPunct="1"/>
-              <a:endParaRPr kumimoji="0" lang="zh-CN" altLang="en-US"/>
-            </a:p>
-          </p:txBody>
-        </p:sp>
-        <p:sp>
-          <p:nvSpPr>
-            <p:cNvPr id="18" name="矩形 17"/>
-            <p:cNvSpPr/>
-            <p:nvPr userDrawn="1"/>
-          </p:nvSpPr>
-          <p:spPr>
-            <a:xfrm>
-              <a:off x="437481" y="553734"/>
-              <a:ext cx="7340359" cy="4714909"/>
-            </a:xfrm>
-            <a:prstGeom prst="rect">
-              <a:avLst/>
-            </a:prstGeom>
-            <a:ln w="1270" cap="flat" cmpd="sng" algn="ctr">
-              <a:noFill/>
-              <a:prstDash val="solid"/>
-              <a:miter lim="800000"/>
-            </a:ln>
-            <a:effectLst>
-              <a:outerShdw blurRad="54991" dist="17780" dir="5400000" algn="tl" rotWithShape="0">
-                <a:srgbClr val="000000">
-                  <a:alpha val="66000"/>
-                </a:srgbClr>
-              </a:outerShdw>
-            </a:effectLst>
-          </p:spPr>
-          <p:style>
-            <a:lnRef idx="2">
-              <a:schemeClr val="accent1"/>
-            </a:lnRef>
-            <a:fillRef idx="1">
-              <a:schemeClr val="lt1"/>
-            </a:fillRef>
-            <a:effectRef idx="0">
-              <a:schemeClr val="accent1"/>
-            </a:effectRef>
-            <a:fontRef idx="minor">
-              <a:schemeClr val="dk1"/>
-            </a:fontRef>
-          </p:style>
-          <p:txBody>
-            <a:bodyPr rtlCol="0" anchor="ctr"/>
-            <a:lstStyle/>
-            <a:p>
-              <a:pPr algn="ctr" eaLnBrk="1" latinLnBrk="0" hangingPunct="1"/>
-              <a:endParaRPr kumimoji="0" lang="zh-CN" altLang="en-US"/>
-            </a:p>
-          </p:txBody>
-        </p:sp>
-      </p:grpSp>
-      <p:sp>
-        <p:nvSpPr>
-          <p:cNvPr id="3" name="圖片版面配置區 2"/>
-          <p:cNvSpPr>
-            <a:spLocks noGrp="1"/>
-          </p:cNvSpPr>
-          <p:nvPr>
-            <p:ph type="pic" idx="1"/>
+      <p:sp>
+        <p:nvSpPr>
+          <p:cNvPr id="2" name="標題 1"/>
+          <p:cNvSpPr>
+            <a:spLocks noGrp="1"/>
+          </p:cNvSpPr>
+          <p:nvPr>
+            <p:ph type="title"/>
           </p:nvPr>
         </p:nvSpPr>
         <p:spPr>
           <a:xfrm>
-            <a:off x="1651912" y="612776"/>
-            <a:ext cx="7215238" cy="4602175"/>
+            <a:off x="2389717" y="4800600"/>
+            <a:ext cx="7315200" cy="566738"/>
           </a:xfrm>
-          <a:solidFill>
-            <a:schemeClr val="bg2">
-              <a:tint val="75000"/>
-            </a:schemeClr>
-          </a:solidFill>
+        </p:spPr>
+        <p:txBody>
+          <a:bodyPr anchor="b"/>
+          <a:lstStyle>
+            <a:lvl1pPr algn="l">
+              <a:defRPr sz="2000" b="1"/>
+            </a:lvl1pPr>
+          </a:lstStyle>
+          <a:p>
+            <a:r>
+              <a:rPr lang="en-US" altLang="zh-TW" smtClean="0"/>
+              <a:t>Click to edit Master title style</a:t>
+            </a:r>
+            <a:endParaRPr lang="zh-TW" altLang="en-US"/>
+          </a:p>
+        </p:txBody>
+      </p:sp>
+      <p:sp>
+        <p:nvSpPr>
+          <p:cNvPr id="3" name="圖片版面配置區 2"/>
+          <p:cNvSpPr>
+            <a:spLocks noGrp="1"/>
+          </p:cNvSpPr>
+          <p:nvPr>
+            <p:ph type="pic" idx="1"/>
+          </p:nvPr>
+        </p:nvSpPr>
+        <p:spPr>
+          <a:xfrm>
+            <a:off x="2389717" y="612775"/>
+            <a:ext cx="7315200" cy="4114800"/>
+          </a:xfrm>
         </p:spPr>
         <p:txBody>
           <a:bodyPr/>
@@ -2657,102 +2459,49 @@
           </a:lstStyle>
           <a:p>
             <a:r>
-              <a:rPr kumimoji="0" lang="zh-TW" altLang="en-US" smtClean="0"/>
-              <a:t>按一下圖示以新增圖片</a:t>
-            </a:r>
-            <a:endParaRPr kumimoji="0" lang="en-US"/>
-          </a:p>
-        </p:txBody>
-      </p:sp>
-      <p:sp useBgFill="1">
-        <p:nvSpPr>
-          <p:cNvPr id="2" name="標題 1"/>
-          <p:cNvSpPr>
-            <a:spLocks noGrp="1"/>
-          </p:cNvSpPr>
-          <p:nvPr>
-            <p:ph type="title"/>
+              <a:rPr lang="en-US" altLang="zh-TW" smtClean="0"/>
+              <a:t>Click icon to add picture</a:t>
+            </a:r>
+            <a:endParaRPr lang="zh-TW" altLang="en-US"/>
+          </a:p>
+        </p:txBody>
+      </p:sp>
+      <p:sp>
+        <p:nvSpPr>
+          <p:cNvPr id="4" name="文字版面配置區 3"/>
+          <p:cNvSpPr>
+            <a:spLocks noGrp="1"/>
+          </p:cNvSpPr>
+          <p:nvPr>
+            <p:ph type="body" sz="half" idx="2"/>
           </p:nvPr>
         </p:nvSpPr>
         <p:spPr>
           <a:xfrm>
-            <a:off x="0" y="595295"/>
-            <a:ext cx="1357290" cy="5691227"/>
-          </a:xfrm>
-          <a:noFill/>
-        </p:spPr>
-        <p:txBody>
-          <a:bodyPr vert="eaVert" anchor="ctr">
-            <a:noAutofit/>
-          </a:bodyPr>
-          <a:lstStyle>
-            <a:lvl1pPr algn="l">
-              <a:defRPr lang="zh-CN" altLang="en-US" sz="3200" dirty="0">
-                <a:ln w="15875" cmpd="sng">
-                  <a:solidFill>
-                    <a:srgbClr val="FFFFFF"/>
-                  </a:solidFill>
-                  <a:prstDash val="solid"/>
-                </a:ln>
-                <a:solidFill>
-                  <a:srgbClr val="FFFFFF"/>
-                </a:solidFill>
-                <a:effectLst>
-                  <a:outerShdw blurRad="31750" dir="3600000" algn="tl" rotWithShape="0">
-                    <a:srgbClr val="000000">
-                      <a:alpha val="60000"/>
-                    </a:srgbClr>
-                  </a:outerShdw>
-                </a:effectLst>
-                <a:latin typeface="+mj-lt"/>
-              </a:defRPr>
-            </a:lvl1pPr>
-          </a:lstStyle>
-          <a:p>
-            <a:r>
-              <a:rPr kumimoji="0" lang="zh-TW" altLang="en-US" smtClean="0"/>
-              <a:t>按一下以編輯母片標題樣式</a:t>
-            </a:r>
-            <a:endParaRPr kumimoji="0" lang="en-US"/>
-          </a:p>
-        </p:txBody>
-      </p:sp>
-      <p:sp>
-        <p:nvSpPr>
-          <p:cNvPr id="4" name="文字版面配置區 3"/>
-          <p:cNvSpPr>
-            <a:spLocks noGrp="1"/>
-          </p:cNvSpPr>
-          <p:nvPr>
-            <p:ph type="body" sz="half" idx="2"/>
-          </p:nvPr>
-        </p:nvSpPr>
-        <p:spPr>
-          <a:xfrm>
-            <a:off x="1714480" y="5481658"/>
-            <a:ext cx="7215238" cy="804862"/>
+            <a:off x="2389717" y="5367338"/>
+            <a:ext cx="7315200" cy="804862"/>
           </a:xfrm>
         </p:spPr>
         <p:txBody>
-          <a:bodyPr anchor="ctr"/>
+          <a:bodyPr/>
           <a:lstStyle>
-            <a:lvl1pPr marL="0" indent="0" algn="ctr">
+            <a:lvl1pPr marL="0" indent="0">
               <a:buNone/>
               <a:defRPr sz="1400"/>
             </a:lvl1pPr>
-            <a:lvl2pPr marL="457200" indent="0" algn="ctr">
+            <a:lvl2pPr marL="457200" indent="0">
               <a:buNone/>
               <a:defRPr sz="1200"/>
             </a:lvl2pPr>
-            <a:lvl3pPr marL="914400" indent="0" algn="ctr">
+            <a:lvl3pPr marL="914400" indent="0">
               <a:buNone/>
               <a:defRPr sz="1000"/>
             </a:lvl3pPr>
-            <a:lvl4pPr marL="1371600" indent="0" algn="ctr">
+            <a:lvl4pPr marL="1371600" indent="0">
               <a:buNone/>
               <a:defRPr sz="900"/>
             </a:lvl4pPr>
-            <a:lvl5pPr marL="1828800" indent="0" algn="ctr">
+            <a:lvl5pPr marL="1828800" indent="0">
               <a:buNone/>
               <a:defRPr sz="900"/>
             </a:lvl5pPr>
@@ -2774,40 +2523,11 @@
             </a:lvl9pPr>
           </a:lstStyle>
           <a:p>
-            <a:pPr lvl="0" eaLnBrk="1" latinLnBrk="0" hangingPunct="1"/>
-            <a:r>
-              <a:rPr lang="zh-TW" altLang="en-US" smtClean="0"/>
-              <a:t>按一下以編輯母片文字樣式</a:t>
-            </a:r>
-          </a:p>
-          <a:p>
-            <a:pPr lvl="1" eaLnBrk="1" latinLnBrk="0" hangingPunct="1"/>
-            <a:r>
-              <a:rPr lang="zh-TW" altLang="en-US" smtClean="0"/>
-              <a:t>第二層</a:t>
-            </a:r>
-          </a:p>
-          <a:p>
-            <a:pPr lvl="2" eaLnBrk="1" latinLnBrk="0" hangingPunct="1"/>
-            <a:r>
-              <a:rPr lang="zh-TW" altLang="en-US" smtClean="0"/>
-              <a:t>第三層</a:t>
-            </a:r>
-          </a:p>
-          <a:p>
-            <a:pPr lvl="3" eaLnBrk="1" latinLnBrk="0" hangingPunct="1"/>
-            <a:r>
-              <a:rPr lang="zh-TW" altLang="en-US" smtClean="0"/>
-              <a:t>第四層</a:t>
-            </a:r>
-          </a:p>
-          <a:p>
-            <a:pPr lvl="4" eaLnBrk="1" latinLnBrk="0" hangingPunct="1"/>
-            <a:r>
-              <a:rPr lang="zh-TW" altLang="en-US" smtClean="0"/>
-              <a:t>第五層</a:t>
-            </a:r>
-            <a:endParaRPr kumimoji="0" lang="en-US"/>
+            <a:pPr lvl="0"/>
+            <a:r>
+              <a:rPr lang="en-US" altLang="zh-TW" smtClean="0"/>
+              <a:t>Edit Master text styles</a:t>
+            </a:r>
           </a:p>
         </p:txBody>
       </p:sp>
@@ -2829,7 +2549,7 @@
             <a:fld id="{BA491F77-4D08-441C-A1CC-72B87BC1692F}" type="datetimeFigureOut">
               <a:rPr lang="zh-TW" altLang="en-US" smtClean="0"/>
               <a:pPr/>
-              <a:t>2017/7/8</a:t>
+              <a:t>2019/12/13</a:t>
             </a:fld>
             <a:endParaRPr lang="zh-TW" altLang="en-US"/>
           </a:p>
@@ -2879,6 +2599,11 @@
         </p:txBody>
       </p:sp>
     </p:spTree>
+    <p:extLst>
+      <p:ext uri="{BB962C8B-B14F-4D97-AF65-F5344CB8AC3E}">
+        <p14:creationId xmlns:p14="http://schemas.microsoft.com/office/powerpoint/2010/main" val="2817430856"/>
+      </p:ext>
+    </p:extLst>
   </p:cSld>
   <p:clrMapOvr>
     <a:masterClrMapping/>
@@ -2890,9 +2615,14 @@
 <p:sldMaster xmlns:a="http://schemas.openxmlformats.org/drawingml/2006/main" xmlns:r="http://schemas.openxmlformats.org/officeDocument/2006/relationships" xmlns:p="http://schemas.openxmlformats.org/presentationml/2006/main">
   <p:cSld>
     <p:bg>
-      <p:bgRef idx="1003">
-        <a:schemeClr val="bg2"/>
-      </p:bgRef>
+      <p:bgPr>
+        <a:blipFill dpi="0" rotWithShape="1">
+          <a:blip r:embed="rId13"/>
+          <a:srcRect/>
+          <a:tile tx="0" ty="0" sx="100000" sy="100000" flip="none" algn="tl"/>
+        </a:blipFill>
+        <a:effectLst/>
+      </p:bgPr>
     </p:bg>
     <p:spTree>
       <p:nvGrpSpPr>
@@ -2920,37 +2650,24 @@
         </p:nvSpPr>
         <p:spPr>
           <a:xfrm>
-            <a:off x="457200" y="274638"/>
-            <a:ext cx="8229600" cy="1143000"/>
+            <a:off x="609600" y="274638"/>
+            <a:ext cx="10972800" cy="1143000"/>
           </a:xfrm>
           <a:prstGeom prst="rect">
             <a:avLst/>
           </a:prstGeom>
         </p:spPr>
         <p:txBody>
-          <a:bodyPr vert="horz" rtlCol="0" anchor="ctr">
-            <a:noAutofit/>
-            <a:scene3d>
-              <a:camera prst="orthographicFront"/>
-              <a:lightRig rig="soft" dir="tl">
-                <a:rot lat="0" lon="0" rev="0"/>
-              </a:lightRig>
-            </a:scene3d>
-            <a:sp3d contourW="8890">
-              <a:contourClr>
-                <a:schemeClr val="accent3">
-                  <a:shade val="55000"/>
-                </a:schemeClr>
-              </a:contourClr>
-            </a:sp3d>
+          <a:bodyPr vert="horz" lIns="91440" tIns="45720" rIns="91440" bIns="45720" rtlCol="0" anchor="ctr">
+            <a:normAutofit/>
           </a:bodyPr>
           <a:lstStyle/>
           <a:p>
             <a:r>
-              <a:rPr kumimoji="0" lang="zh-TW" altLang="en-US" smtClean="0"/>
+              <a:rPr lang="zh-TW" altLang="en-US" smtClean="0"/>
               <a:t>按一下以編輯母片標題樣式</a:t>
             </a:r>
-            <a:endParaRPr kumimoji="0" lang="en-US"/>
+            <a:endParaRPr lang="zh-TW" altLang="en-US"/>
           </a:p>
         </p:txBody>
       </p:sp>
@@ -2966,53 +2683,53 @@
         </p:nvSpPr>
         <p:spPr>
           <a:xfrm>
-            <a:off x="457200" y="1600200"/>
-            <a:ext cx="8229600" cy="4724400"/>
+            <a:off x="609600" y="1600201"/>
+            <a:ext cx="10972800" cy="4525963"/>
           </a:xfrm>
           <a:prstGeom prst="rect">
             <a:avLst/>
           </a:prstGeom>
         </p:spPr>
         <p:txBody>
-          <a:bodyPr vert="horz" rtlCol="0">
+          <a:bodyPr vert="horz" lIns="91440" tIns="45720" rIns="91440" bIns="45720" rtlCol="0">
             <a:normAutofit/>
           </a:bodyPr>
           <a:lstStyle/>
           <a:p>
-            <a:pPr lvl="0" eaLnBrk="1" latinLnBrk="0" hangingPunct="1"/>
-            <a:r>
-              <a:rPr kumimoji="0" lang="zh-TW" altLang="en-US" smtClean="0"/>
+            <a:pPr lvl="0"/>
+            <a:r>
+              <a:rPr lang="zh-TW" altLang="en-US" smtClean="0"/>
               <a:t>按一下以編輯母片文字樣式</a:t>
             </a:r>
           </a:p>
           <a:p>
-            <a:pPr lvl="1" eaLnBrk="1" latinLnBrk="0" hangingPunct="1"/>
-            <a:r>
-              <a:rPr kumimoji="0" lang="zh-TW" altLang="en-US" smtClean="0"/>
+            <a:pPr lvl="1"/>
+            <a:r>
+              <a:rPr lang="zh-TW" altLang="en-US" smtClean="0"/>
               <a:t>第二層</a:t>
             </a:r>
           </a:p>
           <a:p>
-            <a:pPr lvl="2" eaLnBrk="1" latinLnBrk="0" hangingPunct="1"/>
-            <a:r>
-              <a:rPr kumimoji="0" lang="zh-TW" altLang="en-US" smtClean="0"/>
+            <a:pPr lvl="2"/>
+            <a:r>
+              <a:rPr lang="zh-TW" altLang="en-US" smtClean="0"/>
               <a:t>第三層</a:t>
             </a:r>
           </a:p>
           <a:p>
-            <a:pPr lvl="3" eaLnBrk="1" latinLnBrk="0" hangingPunct="1"/>
-            <a:r>
-              <a:rPr kumimoji="0" lang="zh-TW" altLang="en-US" smtClean="0"/>
+            <a:pPr lvl="3"/>
+            <a:r>
+              <a:rPr lang="zh-TW" altLang="en-US" smtClean="0"/>
               <a:t>第四層</a:t>
             </a:r>
           </a:p>
           <a:p>
-            <a:pPr lvl="4" eaLnBrk="1" latinLnBrk="0" hangingPunct="1"/>
-            <a:r>
-              <a:rPr kumimoji="0" lang="zh-TW" altLang="en-US" smtClean="0"/>
+            <a:pPr lvl="4"/>
+            <a:r>
+              <a:rPr lang="zh-TW" altLang="en-US" smtClean="0"/>
               <a:t>第五層</a:t>
             </a:r>
-            <a:endParaRPr kumimoji="0" lang="en-US"/>
+            <a:endParaRPr lang="zh-TW" altLang="en-US"/>
           </a:p>
         </p:txBody>
       </p:sp>
@@ -3028,18 +2745,18 @@
         </p:nvSpPr>
         <p:spPr>
           <a:xfrm>
-            <a:off x="8878" y="6483997"/>
-            <a:ext cx="2133600" cy="365125"/>
+            <a:off x="609600" y="6356351"/>
+            <a:ext cx="2844800" cy="365125"/>
           </a:xfrm>
           <a:prstGeom prst="rect">
             <a:avLst/>
           </a:prstGeom>
         </p:spPr>
         <p:txBody>
-          <a:bodyPr vert="horz" rtlCol="0" anchor="ctr"/>
+          <a:bodyPr vert="horz" lIns="91440" tIns="45720" rIns="91440" bIns="45720" rtlCol="0" anchor="ctr"/>
           <a:lstStyle>
-            <a:lvl1pPr algn="l" eaLnBrk="1" latinLnBrk="0" hangingPunct="1">
-              <a:defRPr kumimoji="0" sz="1200">
+            <a:lvl1pPr algn="l">
+              <a:defRPr sz="1200">
                 <a:solidFill>
                   <a:schemeClr val="tx1">
                     <a:tint val="75000"/>
@@ -3052,7 +2769,7 @@
             <a:fld id="{BA491F77-4D08-441C-A1CC-72B87BC1692F}" type="datetimeFigureOut">
               <a:rPr lang="zh-TW" altLang="en-US" smtClean="0"/>
               <a:pPr/>
-              <a:t>2017/7/8</a:t>
+              <a:t>2019/12/13</a:t>
             </a:fld>
             <a:endParaRPr lang="zh-TW" altLang="en-US"/>
           </a:p>
@@ -3070,18 +2787,18 @@
         </p:nvSpPr>
         <p:spPr>
           <a:xfrm>
-            <a:off x="3124200" y="6483997"/>
-            <a:ext cx="2895600" cy="365125"/>
+            <a:off x="4165600" y="6356351"/>
+            <a:ext cx="3860800" cy="365125"/>
           </a:xfrm>
           <a:prstGeom prst="rect">
             <a:avLst/>
           </a:prstGeom>
         </p:spPr>
         <p:txBody>
-          <a:bodyPr vert="horz" rtlCol="0" anchor="ctr"/>
+          <a:bodyPr vert="horz" lIns="91440" tIns="45720" rIns="91440" bIns="45720" rtlCol="0" anchor="ctr"/>
           <a:lstStyle>
-            <a:lvl1pPr algn="ctr" eaLnBrk="1" latinLnBrk="0" hangingPunct="1">
-              <a:defRPr kumimoji="0" sz="1200">
+            <a:lvl1pPr algn="ctr">
+              <a:defRPr sz="1200">
                 <a:solidFill>
                   <a:schemeClr val="tx1">
                     <a:tint val="75000"/>
@@ -3107,18 +2824,18 @@
         </p:nvSpPr>
         <p:spPr>
           <a:xfrm>
-            <a:off x="6992644" y="6483997"/>
-            <a:ext cx="2133600" cy="365125"/>
+            <a:off x="8737600" y="6356351"/>
+            <a:ext cx="2844800" cy="365125"/>
           </a:xfrm>
           <a:prstGeom prst="rect">
             <a:avLst/>
           </a:prstGeom>
         </p:spPr>
         <p:txBody>
-          <a:bodyPr vert="horz" rtlCol="0" anchor="ctr"/>
+          <a:bodyPr vert="horz" lIns="91440" tIns="45720" rIns="91440" bIns="45720" rtlCol="0" anchor="ctr"/>
           <a:lstStyle>
-            <a:lvl1pPr algn="r" eaLnBrk="1" latinLnBrk="0" hangingPunct="1">
-              <a:defRPr kumimoji="0" sz="1200">
+            <a:lvl1pPr algn="r">
+              <a:defRPr sz="1200">
                 <a:solidFill>
                   <a:schemeClr val="tx1">
                     <a:tint val="75000"/>
@@ -3138,119 +2855,51 @@
         </p:txBody>
       </p:sp>
     </p:spTree>
+    <p:extLst>
+      <p:ext uri="{BB962C8B-B14F-4D97-AF65-F5344CB8AC3E}">
+        <p14:creationId xmlns:p14="http://schemas.microsoft.com/office/powerpoint/2010/main" val="3246471649"/>
+      </p:ext>
+    </p:extLst>
   </p:cSld>
   <p:clrMap bg1="lt1" tx1="dk1" bg2="lt2" tx2="dk2" accent1="accent1" accent2="accent2" accent3="accent3" accent4="accent4" accent5="accent5" accent6="accent6" hlink="hlink" folHlink="folHlink"/>
   <p:sldLayoutIdLst>
-    <p:sldLayoutId id="2147483661" r:id="rId1"/>
-    <p:sldLayoutId id="2147483662" r:id="rId2"/>
-    <p:sldLayoutId id="2147483663" r:id="rId3"/>
-    <p:sldLayoutId id="2147483664" r:id="rId4"/>
-    <p:sldLayoutId id="2147483665" r:id="rId5"/>
-    <p:sldLayoutId id="2147483666" r:id="rId6"/>
-    <p:sldLayoutId id="2147483667" r:id="rId7"/>
-    <p:sldLayoutId id="2147483668" r:id="rId8"/>
-    <p:sldLayoutId id="2147483669" r:id="rId9"/>
-    <p:sldLayoutId id="2147483670" r:id="rId10"/>
-    <p:sldLayoutId id="2147483671" r:id="rId11"/>
+    <p:sldLayoutId id="2147483673" r:id="rId1"/>
+    <p:sldLayoutId id="2147483674" r:id="rId2"/>
+    <p:sldLayoutId id="2147483675" r:id="rId3"/>
+    <p:sldLayoutId id="2147483676" r:id="rId4"/>
+    <p:sldLayoutId id="2147483677" r:id="rId5"/>
+    <p:sldLayoutId id="2147483678" r:id="rId6"/>
+    <p:sldLayoutId id="2147483679" r:id="rId7"/>
+    <p:sldLayoutId id="2147483680" r:id="rId8"/>
+    <p:sldLayoutId id="2147483681" r:id="rId9"/>
+    <p:sldLayoutId id="2147483682" r:id="rId10"/>
+    <p:sldLayoutId id="2147483683" r:id="rId11"/>
   </p:sldLayoutIdLst>
   <p:txStyles>
     <p:titleStyle>
-      <a:lvl1pPr algn="ctr" rtl="0" eaLnBrk="1" latinLnBrk="0" hangingPunct="1">
+      <a:lvl1pPr algn="ctr" defTabSz="914400" rtl="0" eaLnBrk="1" latinLnBrk="0" hangingPunct="1">
         <a:spcBef>
           <a:spcPct val="0"/>
         </a:spcBef>
         <a:buNone/>
-        <a:defRPr kumimoji="0" sz="4000" b="1" kern="1200" cap="all" spc="50" dirty="0">
-          <a:ln w="15875" cmpd="sng">
-            <a:solidFill>
-              <a:srgbClr val="FFFFFF"/>
-            </a:solidFill>
-            <a:prstDash val="solid"/>
-          </a:ln>
+        <a:defRPr sz="4400" kern="1200">
           <a:solidFill>
-            <a:srgbClr val="FFFFFF"/>
+            <a:schemeClr val="tx1"/>
           </a:solidFill>
-          <a:effectLst>
-            <a:outerShdw blurRad="31750" dir="3600000" algn="tl" rotWithShape="0">
-              <a:srgbClr val="000000">
-                <a:alpha val="60000"/>
-              </a:srgbClr>
-            </a:outerShdw>
-          </a:effectLst>
           <a:latin typeface="+mj-lt"/>
           <a:ea typeface="+mj-ea"/>
           <a:cs typeface="+mj-cs"/>
         </a:defRPr>
       </a:lvl1pPr>
-      <a:lvl2pPr eaLnBrk="1" latinLnBrk="0" hangingPunct="1">
-        <a:defRPr kumimoji="0">
-          <a:solidFill>
-            <a:schemeClr val="tx2"/>
-          </a:solidFill>
-        </a:defRPr>
-      </a:lvl2pPr>
-      <a:lvl3pPr eaLnBrk="1" latinLnBrk="0" hangingPunct="1">
-        <a:defRPr kumimoji="0">
-          <a:solidFill>
-            <a:schemeClr val="tx2"/>
-          </a:solidFill>
-        </a:defRPr>
-      </a:lvl3pPr>
-      <a:lvl4pPr eaLnBrk="1" latinLnBrk="0" hangingPunct="1">
-        <a:defRPr kumimoji="0">
-          <a:solidFill>
-            <a:schemeClr val="tx2"/>
-          </a:solidFill>
-        </a:defRPr>
-      </a:lvl4pPr>
-      <a:lvl5pPr eaLnBrk="1" latinLnBrk="0" hangingPunct="1">
-        <a:defRPr kumimoji="0">
-          <a:solidFill>
-            <a:schemeClr val="tx2"/>
-          </a:solidFill>
-        </a:defRPr>
-      </a:lvl5pPr>
-      <a:lvl6pPr eaLnBrk="1" latinLnBrk="0" hangingPunct="1">
-        <a:defRPr kumimoji="0">
-          <a:solidFill>
-            <a:schemeClr val="tx2"/>
-          </a:solidFill>
-        </a:defRPr>
-      </a:lvl6pPr>
-      <a:lvl7pPr eaLnBrk="1" latinLnBrk="0" hangingPunct="1">
-        <a:defRPr kumimoji="0">
-          <a:solidFill>
-            <a:schemeClr val="tx2"/>
-          </a:solidFill>
-        </a:defRPr>
-      </a:lvl7pPr>
-      <a:lvl8pPr eaLnBrk="1" latinLnBrk="0" hangingPunct="1">
-        <a:defRPr kumimoji="0">
-          <a:solidFill>
-            <a:schemeClr val="tx2"/>
-          </a:solidFill>
-        </a:defRPr>
-      </a:lvl8pPr>
-      <a:lvl9pPr eaLnBrk="1" latinLnBrk="0" hangingPunct="1">
-        <a:defRPr kumimoji="0">
-          <a:solidFill>
-            <a:schemeClr val="tx2"/>
-          </a:solidFill>
-        </a:defRPr>
-      </a:lvl9pPr>
     </p:titleStyle>
     <p:bodyStyle>
-      <a:lvl1pPr marL="342900" indent="-342900" algn="l" rtl="0" eaLnBrk="1" latinLnBrk="0" hangingPunct="1">
+      <a:lvl1pPr marL="342900" indent="-342900" algn="l" defTabSz="914400" rtl="0" eaLnBrk="1" latinLnBrk="0" hangingPunct="1">
         <a:spcBef>
           <a:spcPct val="20000"/>
         </a:spcBef>
-        <a:buClr>
-          <a:schemeClr val="tx2"/>
-        </a:buClr>
-        <a:buSzPct val="90000"/>
-        <a:buFont typeface="Cambria"/>
-        <a:buChar char="+"/>
-        <a:defRPr kumimoji="0" sz="3200" kern="1200">
+        <a:buFont typeface="Arial" pitchFamily="34" charset="0"/>
+        <a:buChar char="•"/>
+        <a:defRPr sz="3200" kern="1200">
           <a:solidFill>
             <a:schemeClr val="tx1"/>
           </a:solidFill>
@@ -3259,17 +2908,13 @@
           <a:cs typeface="+mn-cs"/>
         </a:defRPr>
       </a:lvl1pPr>
-      <a:lvl2pPr marL="742950" indent="-285750" algn="l" rtl="0" eaLnBrk="1" latinLnBrk="0" hangingPunct="1">
+      <a:lvl2pPr marL="742950" indent="-285750" algn="l" defTabSz="914400" rtl="0" eaLnBrk="1" latinLnBrk="0" hangingPunct="1">
         <a:spcBef>
           <a:spcPct val="20000"/>
         </a:spcBef>
-        <a:buClr>
-          <a:schemeClr val="tx2"/>
-        </a:buClr>
-        <a:buSzPct val="100000"/>
-        <a:buFont typeface="Cambria"/>
+        <a:buFont typeface="Arial" pitchFamily="34" charset="0"/>
         <a:buChar char="–"/>
-        <a:defRPr kumimoji="0" sz="2800" kern="1200">
+        <a:defRPr sz="2800" kern="1200">
           <a:solidFill>
             <a:schemeClr val="tx1"/>
           </a:solidFill>
@@ -3278,17 +2923,13 @@
           <a:cs typeface="+mn-cs"/>
         </a:defRPr>
       </a:lvl2pPr>
-      <a:lvl3pPr marL="1143000" indent="-228600" algn="l" rtl="0" eaLnBrk="1" latinLnBrk="0" hangingPunct="1">
+      <a:lvl3pPr marL="1143000" indent="-228600" algn="l" defTabSz="914400" rtl="0" eaLnBrk="1" latinLnBrk="0" hangingPunct="1">
         <a:spcBef>
           <a:spcPct val="20000"/>
         </a:spcBef>
-        <a:buClr>
-          <a:schemeClr val="tx2"/>
-        </a:buClr>
-        <a:buSzPct val="60000"/>
-        <a:buFont typeface="Wingdings 2"/>
-        <a:buChar char="Ï"/>
-        <a:defRPr kumimoji="0" sz="2400" kern="1200">
+        <a:buFont typeface="Arial" pitchFamily="34" charset="0"/>
+        <a:buChar char="•"/>
+        <a:defRPr sz="2400" kern="1200">
           <a:solidFill>
             <a:schemeClr val="tx1"/>
           </a:solidFill>
@@ -3297,17 +2938,13 @@
           <a:cs typeface="+mn-cs"/>
         </a:defRPr>
       </a:lvl3pPr>
-      <a:lvl4pPr marL="1600200" indent="-228600" algn="l" rtl="0" eaLnBrk="1" latinLnBrk="0" hangingPunct="1">
+      <a:lvl4pPr marL="1600200" indent="-228600" algn="l" defTabSz="914400" rtl="0" eaLnBrk="1" latinLnBrk="0" hangingPunct="1">
         <a:spcBef>
           <a:spcPct val="20000"/>
         </a:spcBef>
-        <a:buClr>
-          <a:schemeClr val="tx2"/>
-        </a:buClr>
-        <a:buSzPct val="90000"/>
-        <a:buFont typeface="Calibri"/>
-        <a:buChar char="÷"/>
-        <a:defRPr kumimoji="0" sz="2000" kern="1200">
+        <a:buFont typeface="Arial" pitchFamily="34" charset="0"/>
+        <a:buChar char="–"/>
+        <a:defRPr sz="2000" kern="1200">
           <a:solidFill>
             <a:schemeClr val="tx1"/>
           </a:solidFill>
@@ -3316,17 +2953,13 @@
           <a:cs typeface="+mn-cs"/>
         </a:defRPr>
       </a:lvl4pPr>
-      <a:lvl5pPr marL="2057400" indent="-228600" algn="l" rtl="0" eaLnBrk="1" latinLnBrk="0" hangingPunct="1">
+      <a:lvl5pPr marL="2057400" indent="-228600" algn="l" defTabSz="914400" rtl="0" eaLnBrk="1" latinLnBrk="0" hangingPunct="1">
         <a:spcBef>
           <a:spcPct val="20000"/>
         </a:spcBef>
-        <a:buClr>
-          <a:schemeClr val="tx2"/>
-        </a:buClr>
-        <a:buSzPct val="100000"/>
-        <a:buFont typeface="Cambria"/>
-        <a:buChar char="="/>
-        <a:defRPr kumimoji="0" sz="2000" kern="1200">
+        <a:buFont typeface="Arial" pitchFamily="34" charset="0"/>
+        <a:buChar char="»"/>
+        <a:defRPr sz="2000" kern="1200">
           <a:solidFill>
             <a:schemeClr val="tx1"/>
           </a:solidFill>
@@ -3335,13 +2968,13 @@
           <a:cs typeface="+mn-cs"/>
         </a:defRPr>
       </a:lvl5pPr>
-      <a:lvl6pPr marL="2514600" indent="-228600" algn="l" rtl="0" eaLnBrk="1" latinLnBrk="0" hangingPunct="1">
+      <a:lvl6pPr marL="2514600" indent="-228600" algn="l" defTabSz="914400" rtl="0" eaLnBrk="1" latinLnBrk="0" hangingPunct="1">
         <a:spcBef>
           <a:spcPct val="20000"/>
         </a:spcBef>
-        <a:buFont typeface="Arial"/>
+        <a:buFont typeface="Arial" pitchFamily="34" charset="0"/>
         <a:buChar char="•"/>
-        <a:defRPr kumimoji="0" sz="2000" kern="1200">
+        <a:defRPr sz="2000" kern="1200">
           <a:solidFill>
             <a:schemeClr val="tx1"/>
           </a:solidFill>
@@ -3350,13 +2983,13 @@
           <a:cs typeface="+mn-cs"/>
         </a:defRPr>
       </a:lvl6pPr>
-      <a:lvl7pPr marL="2971800" indent="-228600" algn="l" rtl="0" eaLnBrk="1" latinLnBrk="0" hangingPunct="1">
+      <a:lvl7pPr marL="2971800" indent="-228600" algn="l" defTabSz="914400" rtl="0" eaLnBrk="1" latinLnBrk="0" hangingPunct="1">
         <a:spcBef>
           <a:spcPct val="20000"/>
         </a:spcBef>
-        <a:buFont typeface="Arial"/>
+        <a:buFont typeface="Arial" pitchFamily="34" charset="0"/>
         <a:buChar char="•"/>
-        <a:defRPr kumimoji="0" sz="2000" kern="1200">
+        <a:defRPr sz="2000" kern="1200">
           <a:solidFill>
             <a:schemeClr val="tx1"/>
           </a:solidFill>
@@ -3365,13 +2998,13 @@
           <a:cs typeface="+mn-cs"/>
         </a:defRPr>
       </a:lvl7pPr>
-      <a:lvl8pPr marL="3429000" indent="-228600" algn="l" rtl="0" eaLnBrk="1" latinLnBrk="0" hangingPunct="1">
+      <a:lvl8pPr marL="3429000" indent="-228600" algn="l" defTabSz="914400" rtl="0" eaLnBrk="1" latinLnBrk="0" hangingPunct="1">
         <a:spcBef>
           <a:spcPct val="20000"/>
         </a:spcBef>
-        <a:buFont typeface="Arial"/>
+        <a:buFont typeface="Arial" pitchFamily="34" charset="0"/>
         <a:buChar char="•"/>
-        <a:defRPr kumimoji="0" sz="2000" kern="1200">
+        <a:defRPr sz="2000" kern="1200">
           <a:solidFill>
             <a:schemeClr val="tx1"/>
           </a:solidFill>
@@ -3380,13 +3013,13 @@
           <a:cs typeface="+mn-cs"/>
         </a:defRPr>
       </a:lvl8pPr>
-      <a:lvl9pPr marL="3886200" indent="-228600" algn="l" rtl="0" eaLnBrk="1" latinLnBrk="0" hangingPunct="1">
+      <a:lvl9pPr marL="3886200" indent="-228600" algn="l" defTabSz="914400" rtl="0" eaLnBrk="1" latinLnBrk="0" hangingPunct="1">
         <a:spcBef>
           <a:spcPct val="20000"/>
         </a:spcBef>
-        <a:buFont typeface="Arial"/>
+        <a:buFont typeface="Arial" pitchFamily="34" charset="0"/>
         <a:buChar char="•"/>
-        <a:defRPr kumimoji="0" sz="2000" kern="1200">
+        <a:defRPr sz="2000" kern="1200">
           <a:solidFill>
             <a:schemeClr val="tx1"/>
           </a:solidFill>
@@ -3397,8 +3030,11 @@
       </a:lvl9pPr>
     </p:bodyStyle>
     <p:otherStyle>
-      <a:lvl1pPr marL="0" algn="l" rtl="0" eaLnBrk="1" latinLnBrk="0" hangingPunct="1">
-        <a:defRPr kumimoji="0" kern="1200">
+      <a:defPPr>
+        <a:defRPr lang="zh-TW"/>
+      </a:defPPr>
+      <a:lvl1pPr marL="0" algn="l" defTabSz="914400" rtl="0" eaLnBrk="1" latinLnBrk="0" hangingPunct="1">
+        <a:defRPr sz="1800" kern="1200">
           <a:solidFill>
             <a:schemeClr val="tx1"/>
           </a:solidFill>
@@ -3407,8 +3043,8 @@
           <a:cs typeface="+mn-cs"/>
         </a:defRPr>
       </a:lvl1pPr>
-      <a:lvl2pPr marL="457200" algn="l" rtl="0" eaLnBrk="1" latinLnBrk="0" hangingPunct="1">
-        <a:defRPr kumimoji="0" kern="1200">
+      <a:lvl2pPr marL="457200" algn="l" defTabSz="914400" rtl="0" eaLnBrk="1" latinLnBrk="0" hangingPunct="1">
+        <a:defRPr sz="1800" kern="1200">
           <a:solidFill>
             <a:schemeClr val="tx1"/>
           </a:solidFill>
@@ -3417,8 +3053,8 @@
           <a:cs typeface="+mn-cs"/>
         </a:defRPr>
       </a:lvl2pPr>
-      <a:lvl3pPr marL="914400" algn="l" rtl="0" eaLnBrk="1" latinLnBrk="0" hangingPunct="1">
-        <a:defRPr kumimoji="0" kern="1200">
+      <a:lvl3pPr marL="914400" algn="l" defTabSz="914400" rtl="0" eaLnBrk="1" latinLnBrk="0" hangingPunct="1">
+        <a:defRPr sz="1800" kern="1200">
           <a:solidFill>
             <a:schemeClr val="tx1"/>
           </a:solidFill>
@@ -3427,8 +3063,8 @@
           <a:cs typeface="+mn-cs"/>
         </a:defRPr>
       </a:lvl3pPr>
-      <a:lvl4pPr marL="1371600" algn="l" rtl="0" eaLnBrk="1" latinLnBrk="0" hangingPunct="1">
-        <a:defRPr kumimoji="0" kern="1200">
+      <a:lvl4pPr marL="1371600" algn="l" defTabSz="914400" rtl="0" eaLnBrk="1" latinLnBrk="0" hangingPunct="1">
+        <a:defRPr sz="1800" kern="1200">
           <a:solidFill>
             <a:schemeClr val="tx1"/>
           </a:solidFill>
@@ -3437,8 +3073,8 @@
           <a:cs typeface="+mn-cs"/>
         </a:defRPr>
       </a:lvl4pPr>
-      <a:lvl5pPr marL="1828800" algn="l" rtl="0" eaLnBrk="1" latinLnBrk="0" hangingPunct="1">
-        <a:defRPr kumimoji="0" kern="1200">
+      <a:lvl5pPr marL="1828800" algn="l" defTabSz="914400" rtl="0" eaLnBrk="1" latinLnBrk="0" hangingPunct="1">
+        <a:defRPr sz="1800" kern="1200">
           <a:solidFill>
             <a:schemeClr val="tx1"/>
           </a:solidFill>
@@ -3447,8 +3083,8 @@
           <a:cs typeface="+mn-cs"/>
         </a:defRPr>
       </a:lvl5pPr>
-      <a:lvl6pPr marL="2286000" algn="l" rtl="0" eaLnBrk="1" latinLnBrk="0" hangingPunct="1">
-        <a:defRPr kumimoji="0" kern="1200">
+      <a:lvl6pPr marL="2286000" algn="l" defTabSz="914400" rtl="0" eaLnBrk="1" latinLnBrk="0" hangingPunct="1">
+        <a:defRPr sz="1800" kern="1200">
           <a:solidFill>
             <a:schemeClr val="tx1"/>
           </a:solidFill>
@@ -3457,8 +3093,8 @@
           <a:cs typeface="+mn-cs"/>
         </a:defRPr>
       </a:lvl6pPr>
-      <a:lvl7pPr marL="2743200" algn="l" rtl="0" eaLnBrk="1" latinLnBrk="0" hangingPunct="1">
-        <a:defRPr kumimoji="0" kern="1200">
+      <a:lvl7pPr marL="2743200" algn="l" defTabSz="914400" rtl="0" eaLnBrk="1" latinLnBrk="0" hangingPunct="1">
+        <a:defRPr sz="1800" kern="1200">
           <a:solidFill>
             <a:schemeClr val="tx1"/>
           </a:solidFill>
@@ -3467,8 +3103,8 @@
           <a:cs typeface="+mn-cs"/>
         </a:defRPr>
       </a:lvl7pPr>
-      <a:lvl8pPr marL="3200400" algn="l" rtl="0" eaLnBrk="1" latinLnBrk="0" hangingPunct="1">
-        <a:defRPr kumimoji="0" kern="1200">
+      <a:lvl8pPr marL="3200400" algn="l" defTabSz="914400" rtl="0" eaLnBrk="1" latinLnBrk="0" hangingPunct="1">
+        <a:defRPr sz="1800" kern="1200">
           <a:solidFill>
             <a:schemeClr val="tx1"/>
           </a:solidFill>
@@ -3477,8 +3113,8 @@
           <a:cs typeface="+mn-cs"/>
         </a:defRPr>
       </a:lvl8pPr>
-      <a:lvl9pPr marL="3657600" algn="l" rtl="0" eaLnBrk="1" latinLnBrk="0" hangingPunct="1">
-        <a:defRPr kumimoji="0" kern="1200">
+      <a:lvl9pPr marL="3657600" algn="l" defTabSz="914400" rtl="0" eaLnBrk="1" latinLnBrk="0" hangingPunct="1">
+        <a:defRPr sz="1800" kern="1200">
           <a:solidFill>
             <a:schemeClr val="tx1"/>
           </a:solidFill>
@@ -3525,13 +3161,13 @@
           <a:lstStyle/>
           <a:p>
             <a:r>
-              <a:rPr lang="zh-CN" altLang="en-US" dirty="0" smtClean="0">
+              <a:rPr lang="zh-CN" altLang="en-US" b="1" dirty="0" smtClean="0">
                 <a:latin typeface="微軟正黑體" pitchFamily="34" charset="-120"/>
                 <a:ea typeface="微軟正黑體" pitchFamily="34" charset="-120"/>
               </a:rPr>
               <a:t>喜訊</a:t>
             </a:r>
-            <a:endParaRPr lang="zh-TW" altLang="en-US" dirty="0">
+            <a:endParaRPr lang="zh-TW" altLang="en-US" b="1" dirty="0">
               <a:latin typeface="微軟正黑體" pitchFamily="34" charset="-120"/>
               <a:ea typeface="微軟正黑體" pitchFamily="34" charset="-120"/>
             </a:endParaRPr>
@@ -3566,13 +3202,13 @@
               <a:t>願福音</a:t>
             </a:r>
             <a:r>
-              <a:rPr lang="zh-TW" altLang="en-US" sz="5400" b="1" dirty="0" smtClean="0">
+              <a:rPr lang="zh-TW" altLang="en-US" sz="5400" b="1" dirty="0">
                 <a:latin typeface="微軟正黑體" pitchFamily="34" charset="-120"/>
                 <a:ea typeface="微軟正黑體" pitchFamily="34" charset="-120"/>
               </a:rPr>
               <a:t>喜訊</a:t>
             </a:r>
-            <a:endParaRPr lang="en-US" altLang="zh-TW" sz="5400" b="1" dirty="0" smtClean="0">
+            <a:endParaRPr lang="en-US" altLang="zh-TW" sz="5400" b="1" dirty="0">
               <a:latin typeface="微軟正黑體" pitchFamily="34" charset="-120"/>
               <a:ea typeface="微軟正黑體" pitchFamily="34" charset="-120"/>
             </a:endParaRPr>
@@ -3582,7 +3218,7 @@
               <a:buNone/>
             </a:pPr>
             <a:r>
-              <a:rPr lang="zh-TW" altLang="en-US" sz="5400" b="1" dirty="0" smtClean="0">
+              <a:rPr lang="zh-TW" altLang="en-US" sz="5400" b="1" dirty="0">
                 <a:latin typeface="微軟正黑體" pitchFamily="34" charset="-120"/>
                 <a:ea typeface="微軟正黑體" pitchFamily="34" charset="-120"/>
               </a:rPr>
@@ -3596,13 +3232,13 @@
               <a:t>聽得</a:t>
             </a:r>
             <a:r>
-              <a:rPr lang="zh-TW" altLang="en-US" sz="5400" b="1" dirty="0" smtClean="0">
+              <a:rPr lang="zh-TW" altLang="en-US" sz="5400" b="1" dirty="0">
                 <a:latin typeface="微軟正黑體" pitchFamily="34" charset="-120"/>
                 <a:ea typeface="微軟正黑體" pitchFamily="34" charset="-120"/>
               </a:rPr>
               <a:t>見</a:t>
             </a:r>
-            <a:endParaRPr lang="en-US" altLang="zh-TW" sz="5400" b="1" dirty="0" smtClean="0">
+            <a:endParaRPr lang="en-US" altLang="zh-TW" sz="5400" b="1" dirty="0">
               <a:latin typeface="微軟正黑體" pitchFamily="34" charset="-120"/>
               <a:ea typeface="微軟正黑體" pitchFamily="34" charset="-120"/>
             </a:endParaRPr>
@@ -3612,7 +3248,7 @@
               <a:buNone/>
             </a:pPr>
             <a:r>
-              <a:rPr lang="zh-TW" altLang="en-US" sz="5400" b="1" dirty="0" smtClean="0">
+              <a:rPr lang="zh-TW" altLang="en-US" sz="5400" b="1" dirty="0">
                 <a:latin typeface="微軟正黑體" pitchFamily="34" charset="-120"/>
                 <a:ea typeface="微軟正黑體" pitchFamily="34" charset="-120"/>
               </a:rPr>
@@ -3626,13 +3262,13 @@
               <a:t>收莊稼 莊稼已</a:t>
             </a:r>
             <a:r>
-              <a:rPr lang="zh-TW" altLang="en-US" sz="5400" b="1" dirty="0" smtClean="0">
+              <a:rPr lang="zh-TW" altLang="en-US" sz="5400" b="1" dirty="0">
                 <a:latin typeface="微軟正黑體" pitchFamily="34" charset="-120"/>
                 <a:ea typeface="微軟正黑體" pitchFamily="34" charset="-120"/>
               </a:rPr>
               <a:t>熟</a:t>
             </a:r>
-            <a:endParaRPr lang="en-US" altLang="zh-TW" sz="5400" b="1" dirty="0" smtClean="0">
+            <a:endParaRPr lang="en-US" altLang="zh-TW" sz="5400" b="1" dirty="0">
               <a:latin typeface="微軟正黑體" pitchFamily="34" charset="-120"/>
               <a:ea typeface="微軟正黑體" pitchFamily="34" charset="-120"/>
             </a:endParaRPr>
@@ -3642,7 +3278,7 @@
               <a:buNone/>
             </a:pPr>
             <a:r>
-              <a:rPr lang="zh-TW" altLang="en-US" sz="5400" b="1" dirty="0" smtClean="0">
+              <a:rPr lang="zh-TW" altLang="en-US" sz="5400" b="1" dirty="0">
                 <a:latin typeface="微軟正黑體" pitchFamily="34" charset="-120"/>
                 <a:ea typeface="微軟正黑體" pitchFamily="34" charset="-120"/>
               </a:rPr>
@@ -3699,13 +3335,13 @@
           <a:lstStyle/>
           <a:p>
             <a:r>
-              <a:rPr lang="zh-CN" altLang="en-US" dirty="0" smtClean="0">
+              <a:rPr lang="zh-CN" altLang="en-US" b="1" dirty="0" smtClean="0">
                 <a:latin typeface="微軟正黑體" pitchFamily="34" charset="-120"/>
                 <a:ea typeface="微軟正黑體" pitchFamily="34" charset="-120"/>
               </a:rPr>
               <a:t>喜訊</a:t>
             </a:r>
-            <a:endParaRPr lang="zh-TW" altLang="en-US" dirty="0">
+            <a:endParaRPr lang="zh-TW" altLang="en-US" b="1" dirty="0">
               <a:latin typeface="微軟正黑體" pitchFamily="34" charset="-120"/>
               <a:ea typeface="微軟正黑體" pitchFamily="34" charset="-120"/>
             </a:endParaRPr>
@@ -3724,7 +3360,7 @@
         </p:nvSpPr>
         <p:spPr>
           <a:xfrm>
-            <a:off x="457200" y="1600200"/>
+            <a:off x="1981200" y="1600200"/>
             <a:ext cx="8229600" cy="5257800"/>
           </a:xfrm>
         </p:spPr>
@@ -3769,13 +3405,13 @@
               <a:t>活水流進我</a:t>
             </a:r>
             <a:r>
-              <a:rPr lang="zh-TW" altLang="en-US" sz="5400" b="1" dirty="0" smtClean="0">
+              <a:rPr lang="zh-TW" altLang="en-US" sz="5400" b="1" dirty="0">
                 <a:latin typeface="微軟正黑體" pitchFamily="34" charset="-120"/>
                 <a:ea typeface="微軟正黑體" pitchFamily="34" charset="-120"/>
               </a:rPr>
               <a:t>生命</a:t>
             </a:r>
-            <a:endParaRPr lang="en-US" altLang="zh-TW" sz="5400" b="1" dirty="0" smtClean="0">
+            <a:endParaRPr lang="en-US" altLang="zh-TW" sz="5400" b="1" dirty="0">
               <a:latin typeface="微軟正黑體" pitchFamily="34" charset="-120"/>
               <a:ea typeface="微軟正黑體" pitchFamily="34" charset="-120"/>
             </a:endParaRPr>
@@ -3785,7 +3421,7 @@
               <a:buNone/>
             </a:pPr>
             <a:r>
-              <a:rPr lang="zh-TW" altLang="en-US" sz="5400" b="1" dirty="0" smtClean="0">
+              <a:rPr lang="zh-TW" altLang="en-US" sz="5400" b="1" dirty="0">
                 <a:latin typeface="微軟正黑體" pitchFamily="34" charset="-120"/>
                 <a:ea typeface="微軟正黑體" pitchFamily="34" charset="-120"/>
               </a:rPr>
@@ -3799,13 +3435,13 @@
               <a:t>我散發基督的</a:t>
             </a:r>
             <a:r>
-              <a:rPr lang="zh-TW" altLang="en-US" sz="5400" b="1" dirty="0" smtClean="0">
+              <a:rPr lang="zh-TW" altLang="en-US" sz="5400" b="1" dirty="0">
                 <a:latin typeface="微軟正黑體" pitchFamily="34" charset="-120"/>
                 <a:ea typeface="微軟正黑體" pitchFamily="34" charset="-120"/>
               </a:rPr>
               <a:t>香氣</a:t>
             </a:r>
-            <a:endParaRPr lang="en-US" altLang="zh-TW" sz="5400" b="1" dirty="0" smtClean="0">
+            <a:endParaRPr lang="en-US" altLang="zh-TW" sz="5400" b="1" dirty="0">
               <a:latin typeface="微軟正黑體" pitchFamily="34" charset="-120"/>
               <a:ea typeface="微軟正黑體" pitchFamily="34" charset="-120"/>
             </a:endParaRPr>
@@ -3815,7 +3451,7 @@
               <a:buNone/>
             </a:pPr>
             <a:r>
-              <a:rPr lang="zh-TW" altLang="en-US" sz="5400" b="1" dirty="0" smtClean="0">
+              <a:rPr lang="zh-TW" altLang="en-US" sz="5400" b="1" dirty="0">
                 <a:latin typeface="微軟正黑體" pitchFamily="34" charset="-120"/>
                 <a:ea typeface="微軟正黑體" pitchFamily="34" charset="-120"/>
               </a:rPr>
@@ -3840,9 +3476,9 @@
 </file>
 
 <file path=ppt/theme/theme1.xml><?xml version="1.0" encoding="utf-8"?>
-<a:theme xmlns:a="http://schemas.openxmlformats.org/drawingml/2006/main" name="行雲流水">
+<a:theme xmlns:a="http://schemas.openxmlformats.org/drawingml/2006/main" name="Church Theme">
   <a:themeElements>
-    <a:clrScheme name="行雲流水">
+    <a:clrScheme name="Office">
       <a:dk1>
         <a:sysClr val="windowText" lastClr="000000"/>
       </a:dk1>
@@ -3850,78 +3486,44 @@
         <a:sysClr val="window" lastClr="FFFFFF"/>
       </a:lt1>
       <a:dk2>
-        <a:srgbClr val="411401"/>
+        <a:srgbClr val="1F497D"/>
       </a:dk2>
       <a:lt2>
-        <a:srgbClr val="FFE6E6"/>
+        <a:srgbClr val="EEECE1"/>
       </a:lt2>
       <a:accent1>
-        <a:srgbClr val="A24A48"/>
+        <a:srgbClr val="4F81BD"/>
       </a:accent1>
       <a:accent2>
-        <a:srgbClr val="B2935C"/>
+        <a:srgbClr val="C0504D"/>
       </a:accent2>
       <a:accent3>
-        <a:srgbClr val="6A9A9A"/>
+        <a:srgbClr val="9BBB59"/>
       </a:accent3>
       <a:accent4>
-        <a:srgbClr val="B2B787"/>
+        <a:srgbClr val="8064A2"/>
       </a:accent4>
       <a:accent5>
-        <a:srgbClr val="91644B"/>
+        <a:srgbClr val="4BACC6"/>
       </a:accent5>
       <a:accent6>
-        <a:srgbClr val="654A76"/>
+        <a:srgbClr val="F79646"/>
       </a:accent6>
       <a:hlink>
-        <a:srgbClr val="00A800"/>
+        <a:srgbClr val="0000FF"/>
       </a:hlink>
       <a:folHlink>
-        <a:srgbClr val="FF00FF"/>
+        <a:srgbClr val="800080"/>
       </a:folHlink>
     </a:clrScheme>
-    <a:fontScheme name="行雲流水">
+    <a:fontScheme name="Office">
       <a:majorFont>
-        <a:latin typeface="Cambria"/>
+        <a:latin typeface="Calibri"/>
         <a:ea typeface=""/>
         <a:cs typeface=""/>
         <a:font script="Jpan" typeface="ＭＳ Ｐゴシック"/>
         <a:font script="Hang" typeface="맑은 고딕"/>
-        <a:font script="Hans" typeface="华文行楷"/>
-        <a:font script="Hant" typeface="微軟正黑體"/>
-        <a:font script="Arab" typeface="Arial"/>
-        <a:font script="Hebr" typeface="Arial"/>
-        <a:font script="Thai" typeface="Cordia New"/>
-        <a:font script="Ethi" typeface="Nyala"/>
-        <a:font script="Beng" typeface="Vrinda"/>
-        <a:font script="Gujr" typeface="Shruti"/>
-        <a:font script="Khmr" typeface="DaunPenh"/>
-        <a:font script="Knda" typeface="Tunga"/>
-        <a:font script="Guru" typeface="Raavi"/>
-        <a:font script="Cans" typeface="Euphemia"/>
-        <a:font script="Cher" typeface="Plantagenet Cherokee"/>
-        <a:font script="Yiii" typeface="Microsoft Yi Baiti"/>
-        <a:font script="Tibt" typeface="Microsoft Himalaya"/>
-        <a:font script="Thaa" typeface="MV Boli"/>
-        <a:font script="Deva" typeface="Mangal"/>
-        <a:font script="Telu" typeface="Gautami"/>
-        <a:font script="Taml" typeface="Latha"/>
-        <a:font script="Syrc" typeface="Estrangelo Edessa"/>
-        <a:font script="Orya" typeface="Kalinga"/>
-        <a:font script="Mlym" typeface="Kartika"/>
-        <a:font script="Laoo" typeface="DokChampa"/>
-        <a:font script="Sinh" typeface="Iskoola Pota"/>
-        <a:font script="Mong" typeface="Mongolian Baiti"/>
-        <a:font script="Viet" typeface="Arial"/>
-        <a:font script="Uigh" typeface="Microsoft Uighur"/>
-      </a:majorFont>
-      <a:minorFont>
-        <a:latin typeface="Calibri"/>
-        <a:ea typeface=""/>
-        <a:cs typeface=""/>
-        <a:font script="Jpan" typeface="ＭＳ Ｐ明朝"/>
-        <a:font script="Hang" typeface="HY견명조"/>
-        <a:font script="Hans" typeface="华文行楷"/>
+        <a:font script="Hans" typeface="宋体"/>
         <a:font script="Hant" typeface="新細明體"/>
         <a:font script="Arab" typeface="Times New Roman"/>
         <a:font script="Hebr" typeface="Times New Roman"/>
@@ -3948,9 +3550,43 @@
         <a:font script="Mong" typeface="Mongolian Baiti"/>
         <a:font script="Viet" typeface="Times New Roman"/>
         <a:font script="Uigh" typeface="Microsoft Uighur"/>
+      </a:majorFont>
+      <a:minorFont>
+        <a:latin typeface="Calibri"/>
+        <a:ea typeface=""/>
+        <a:cs typeface=""/>
+        <a:font script="Jpan" typeface="ＭＳ Ｐゴシック"/>
+        <a:font script="Hang" typeface="맑은 고딕"/>
+        <a:font script="Hans" typeface="宋体"/>
+        <a:font script="Hant" typeface="新細明體"/>
+        <a:font script="Arab" typeface="Arial"/>
+        <a:font script="Hebr" typeface="Arial"/>
+        <a:font script="Thai" typeface="Cordia New"/>
+        <a:font script="Ethi" typeface="Nyala"/>
+        <a:font script="Beng" typeface="Vrinda"/>
+        <a:font script="Gujr" typeface="Shruti"/>
+        <a:font script="Khmr" typeface="DaunPenh"/>
+        <a:font script="Knda" typeface="Tunga"/>
+        <a:font script="Guru" typeface="Raavi"/>
+        <a:font script="Cans" typeface="Euphemia"/>
+        <a:font script="Cher" typeface="Plantagenet Cherokee"/>
+        <a:font script="Yiii" typeface="Microsoft Yi Baiti"/>
+        <a:font script="Tibt" typeface="Microsoft Himalaya"/>
+        <a:font script="Thaa" typeface="MV Boli"/>
+        <a:font script="Deva" typeface="Mangal"/>
+        <a:font script="Telu" typeface="Gautami"/>
+        <a:font script="Taml" typeface="Latha"/>
+        <a:font script="Syrc" typeface="Estrangelo Edessa"/>
+        <a:font script="Orya" typeface="Kalinga"/>
+        <a:font script="Mlym" typeface="Kartika"/>
+        <a:font script="Laoo" typeface="DokChampa"/>
+        <a:font script="Sinh" typeface="Iskoola Pota"/>
+        <a:font script="Mong" typeface="Mongolian Baiti"/>
+        <a:font script="Viet" typeface="Arial"/>
+        <a:font script="Uigh" typeface="Microsoft Uighur"/>
       </a:minorFont>
     </a:fontScheme>
-    <a:fmtScheme name="行雲流水">
+    <a:fmtScheme name="Office">
       <a:fillStyleLst>
         <a:solidFill>
           <a:schemeClr val="phClr"/>
@@ -3959,59 +3595,56 @@
           <a:gsLst>
             <a:gs pos="0">
               <a:schemeClr val="phClr">
-                <a:tint val="90000"/>
-                <a:satMod val="130000"/>
+                <a:tint val="50000"/>
+                <a:satMod val="300000"/>
               </a:schemeClr>
             </a:gs>
-            <a:gs pos="50000">
+            <a:gs pos="35000">
               <a:schemeClr val="phClr">
-                <a:tint val="45000"/>
-                <a:satMod val="220000"/>
+                <a:tint val="37000"/>
+                <a:satMod val="300000"/>
               </a:schemeClr>
             </a:gs>
             <a:gs pos="100000">
               <a:schemeClr val="phClr">
-                <a:tint val="90000"/>
-                <a:satMod val="130000"/>
+                <a:tint val="15000"/>
+                <a:satMod val="350000"/>
               </a:schemeClr>
             </a:gs>
           </a:gsLst>
-          <a:lin ang="5400000" scaled="1"/>
+          <a:lin ang="16200000" scaled="1"/>
         </a:gradFill>
         <a:gradFill rotWithShape="1">
           <a:gsLst>
             <a:gs pos="0">
               <a:schemeClr val="phClr">
-                <a:tint val="100000"/>
-                <a:shade val="90000"/>
-                <a:hueMod val="100000"/>
-                <a:satMod val="200000"/>
+                <a:shade val="51000"/>
+                <a:satMod val="130000"/>
               </a:schemeClr>
             </a:gs>
-            <a:gs pos="50000">
+            <a:gs pos="80000">
               <a:schemeClr val="phClr">
-                <a:tint val="100000"/>
-                <a:shade val="60000"/>
-                <a:hueMod val="100000"/>
-                <a:satMod val="180000"/>
+                <a:shade val="93000"/>
+                <a:satMod val="130000"/>
               </a:schemeClr>
             </a:gs>
             <a:gs pos="100000">
               <a:schemeClr val="phClr">
-                <a:tint val="100000"/>
-                <a:shade val="90000"/>
-                <a:hueMod val="100000"/>
-                <a:satMod val="200000"/>
+                <a:shade val="94000"/>
+                <a:satMod val="135000"/>
               </a:schemeClr>
             </a:gs>
           </a:gsLst>
-          <a:lin ang="5400000" scaled="1"/>
+          <a:lin ang="16200000" scaled="0"/>
         </a:gradFill>
       </a:fillStyleLst>
       <a:lnStyleLst>
-        <a:ln w="12700" cap="flat" cmpd="sng" algn="ctr">
+        <a:ln w="9525" cap="flat" cmpd="sng" algn="ctr">
           <a:solidFill>
-            <a:schemeClr val="phClr"/>
+            <a:schemeClr val="phClr">
+              <a:shade val="95000"/>
+              <a:satMod val="105000"/>
+            </a:schemeClr>
           </a:solidFill>
           <a:prstDash val="solid"/>
         </a:ln>
@@ -4021,7 +3654,7 @@
           </a:solidFill>
           <a:prstDash val="solid"/>
         </a:ln>
-        <a:ln w="38100" cap="flat" cmpd="dbl" algn="ctr">
+        <a:ln w="38100" cap="flat" cmpd="sng" algn="ctr">
           <a:solidFill>
             <a:schemeClr val="phClr"/>
           </a:solidFill>
@@ -4031,55 +3664,40 @@
       <a:effectStyleLst>
         <a:effectStyle>
           <a:effectLst>
-            <a:glow rad="50600">
-              <a:schemeClr val="phClr">
-                <a:alpha val="40000"/>
-              </a:schemeClr>
-            </a:glow>
+            <a:outerShdw blurRad="40000" dist="20000" dir="5400000" rotWithShape="0">
+              <a:srgbClr val="000000">
+                <a:alpha val="38000"/>
+              </a:srgbClr>
+            </a:outerShdw>
           </a:effectLst>
         </a:effectStyle>
         <a:effectStyle>
           <a:effectLst>
-            <a:glow rad="101600">
-              <a:schemeClr val="phClr">
-                <a:alpha val="60000"/>
-              </a:schemeClr>
-            </a:glow>
+            <a:outerShdw blurRad="40000" dist="23000" dir="5400000" rotWithShape="0">
+              <a:srgbClr val="000000">
+                <a:alpha val="35000"/>
+              </a:srgbClr>
+            </a:outerShdw>
           </a:effectLst>
-          <a:scene3d>
-            <a:camera prst="isometricLeftDown" fov="0">
-              <a:rot lat="0" lon="0" rev="0"/>
-            </a:camera>
-            <a:lightRig rig="harsh" dir="tl">
-              <a:rot lat="0" lon="0" rev="14280000"/>
-            </a:lightRig>
-          </a:scene3d>
-          <a:sp3d prstMaterial="flat">
-            <a:bevelT w="38100" h="50800" prst="softRound"/>
-          </a:sp3d>
         </a:effectStyle>
         <a:effectStyle>
           <a:effectLst>
-            <a:glow>
-              <a:schemeClr val="phClr"/>
-            </a:glow>
+            <a:outerShdw blurRad="40000" dist="23000" dir="5400000" rotWithShape="0">
+              <a:srgbClr val="000000">
+                <a:alpha val="35000"/>
+              </a:srgbClr>
+            </a:outerShdw>
           </a:effectLst>
           <a:scene3d>
-            <a:camera prst="isometricLeftDown">
+            <a:camera prst="orthographicFront">
               <a:rot lat="0" lon="0" rev="0"/>
             </a:camera>
-            <a:lightRig rig="harsh" dir="tl">
-              <a:rot lat="0" lon="0" rev="14280000"/>
+            <a:lightRig rig="threePt" dir="t">
+              <a:rot lat="0" lon="0" rev="1200000"/>
             </a:lightRig>
           </a:scene3d>
-          <a:sp3d extrusionH="63500" contourW="38100" prstMaterial="flat">
-            <a:bevelT w="50800" h="63500" prst="softRound"/>
-            <a:contourClr>
-              <a:schemeClr val="phClr">
-                <a:tint val="5"/>
-                <a:satMod val="130000"/>
-              </a:schemeClr>
-            </a:contourClr>
+          <a:sp3d>
+            <a:bevelT w="63500" h="25400"/>
           </a:sp3d>
         </a:effectStyle>
       </a:effectStyleLst>
@@ -4091,60 +3709,47 @@
           <a:gsLst>
             <a:gs pos="0">
               <a:schemeClr val="phClr">
-                <a:tint val="100000"/>
-                <a:shade val="80000"/>
-                <a:hueMod val="100000"/>
-                <a:satMod val="300000"/>
+                <a:tint val="40000"/>
+                <a:satMod val="350000"/>
               </a:schemeClr>
             </a:gs>
-            <a:gs pos="72000">
+            <a:gs pos="40000">
               <a:schemeClr val="phClr">
-                <a:tint val="100000"/>
-                <a:shade val="100000"/>
-                <a:hueMod val="100000"/>
-                <a:satMod val="100000"/>
-              </a:schemeClr>
-            </a:gs>
-            <a:gs pos="81000">
-              <a:schemeClr val="phClr">
-                <a:tint val="98000"/>
-                <a:shade val="100000"/>
-                <a:hueMod val="100000"/>
-                <a:satMod val="150000"/>
+                <a:tint val="45000"/>
+                <a:shade val="99000"/>
+                <a:satMod val="350000"/>
               </a:schemeClr>
             </a:gs>
             <a:gs pos="100000">
               <a:schemeClr val="phClr">
-                <a:tint val="100000"/>
-                <a:shade val="100000"/>
-                <a:hueMod val="100000"/>
+                <a:shade val="20000"/>
+                <a:satMod val="255000"/>
+              </a:schemeClr>
+            </a:gs>
+          </a:gsLst>
+          <a:path path="circle">
+            <a:fillToRect l="50000" t="-80000" r="50000" b="180000"/>
+          </a:path>
+        </a:gradFill>
+        <a:gradFill rotWithShape="1">
+          <a:gsLst>
+            <a:gs pos="0">
+              <a:schemeClr val="phClr">
+                <a:tint val="80000"/>
+                <a:satMod val="300000"/>
+              </a:schemeClr>
+            </a:gs>
+            <a:gs pos="100000">
+              <a:schemeClr val="phClr">
+                <a:shade val="30000"/>
                 <a:satMod val="200000"/>
               </a:schemeClr>
             </a:gs>
           </a:gsLst>
-          <a:lin ang="16200000" scaled="1"/>
+          <a:path path="circle">
+            <a:fillToRect l="50000" t="50000" r="50000" b="50000"/>
+          </a:path>
         </a:gradFill>
-        <a:blipFill>
-          <a:blip xmlns:r="http://schemas.openxmlformats.org/officeDocument/2006/relationships" r:embed="rId1">
-            <a:duotone>
-              <a:schemeClr val="phClr">
-                <a:tint val="100000"/>
-                <a:shade val="39000"/>
-                <a:hueMod val="100000"/>
-                <a:satMod val="150000"/>
-              </a:schemeClr>
-              <a:schemeClr val="phClr">
-                <a:tint val="90000"/>
-                <a:shade val="100000"/>
-                <a:hueMod val="100000"/>
-                <a:satMod val="120000"/>
-              </a:schemeClr>
-            </a:duotone>
-          </a:blip>
-          <a:stretch>
-            <a:fillRect/>
-          </a:stretch>
-        </a:blipFill>
       </a:bgFillStyleLst>
     </a:fmtScheme>
   </a:themeElements>
